--- a/Documentation/Presentation/Abschlusspräsentation.pptx
+++ b/Documentation/Presentation/Abschlusspräsentation.pptx
@@ -5,7 +5,7 @@
     <p:sldMasterId id="2147483648" r:id="rId1"/>
   </p:sldMasterIdLst>
   <p:notesMasterIdLst>
-    <p:notesMasterId r:id="rId19"/>
+    <p:notesMasterId r:id="rId23"/>
   </p:notesMasterIdLst>
   <p:sldIdLst>
     <p:sldId id="263" r:id="rId2"/>
@@ -17,14 +17,18 @@
     <p:sldId id="272" r:id="rId8"/>
     <p:sldId id="273" r:id="rId9"/>
     <p:sldId id="281" r:id="rId10"/>
-    <p:sldId id="274" r:id="rId11"/>
-    <p:sldId id="275" r:id="rId12"/>
-    <p:sldId id="276" r:id="rId13"/>
-    <p:sldId id="277" r:id="rId14"/>
-    <p:sldId id="279" r:id="rId15"/>
-    <p:sldId id="280" r:id="rId16"/>
-    <p:sldId id="278" r:id="rId17"/>
-    <p:sldId id="267" r:id="rId18"/>
+    <p:sldId id="283" r:id="rId11"/>
+    <p:sldId id="285" r:id="rId12"/>
+    <p:sldId id="286" r:id="rId13"/>
+    <p:sldId id="288" r:id="rId14"/>
+    <p:sldId id="274" r:id="rId15"/>
+    <p:sldId id="275" r:id="rId16"/>
+    <p:sldId id="276" r:id="rId17"/>
+    <p:sldId id="277" r:id="rId18"/>
+    <p:sldId id="279" r:id="rId19"/>
+    <p:sldId id="280" r:id="rId20"/>
+    <p:sldId id="278" r:id="rId21"/>
+    <p:sldId id="267" r:id="rId22"/>
   </p:sldIdLst>
   <p:sldSz cx="9144000" cy="6858000" type="screen4x3"/>
   <p:notesSz cx="6858000" cy="9144000"/>
@@ -143,7 +147,7 @@
 </file>
 
 <file path=ppt/charts/chart1.xml><?xml version="1.0" encoding="utf-8"?>
-<c:chartSpace xmlns:c="http://schemas.openxmlformats.org/drawingml/2006/chart" xmlns:a="http://schemas.openxmlformats.org/drawingml/2006/main" xmlns:r="http://schemas.openxmlformats.org/officeDocument/2006/relationships">
+<c:chartSpace xmlns:c="http://schemas.openxmlformats.org/drawingml/2006/chart" xmlns:a="http://schemas.openxmlformats.org/drawingml/2006/main" xmlns:r="http://schemas.openxmlformats.org/officeDocument/2006/relationships" xmlns:c16r2="http://schemas.microsoft.com/office/drawing/2015/06/chart">
   <c:date1904 val="0"/>
   <c:lang val="de-DE"/>
   <c:roundedCorners val="0"/>
@@ -189,6 +193,11 @@
               </a:ln>
               <a:effectLst/>
             </c:spPr>
+            <c:extLst>
+              <c:ext xmlns:c16="http://schemas.microsoft.com/office/drawing/2014/chart" uri="{C3380CC4-5D6E-409C-BE32-E72D297353CC}">
+                <c16:uniqueId val="{00000001-9624-4A3F-A513-973C580AF915}"/>
+              </c:ext>
+            </c:extLst>
           </c:dPt>
           <c:dPt>
             <c:idx val="1"/>
@@ -204,6 +213,11 @@
               </a:ln>
               <a:effectLst/>
             </c:spPr>
+            <c:extLst>
+              <c:ext xmlns:c16="http://schemas.microsoft.com/office/drawing/2014/chart" uri="{C3380CC4-5D6E-409C-BE32-E72D297353CC}">
+                <c16:uniqueId val="{00000003-9624-4A3F-A513-973C580AF915}"/>
+              </c:ext>
+            </c:extLst>
           </c:dPt>
           <c:dPt>
             <c:idx val="2"/>
@@ -219,6 +233,11 @@
               </a:ln>
               <a:effectLst/>
             </c:spPr>
+            <c:extLst>
+              <c:ext xmlns:c16="http://schemas.microsoft.com/office/drawing/2014/chart" uri="{C3380CC4-5D6E-409C-BE32-E72D297353CC}">
+                <c16:uniqueId val="{00000005-9624-4A3F-A513-973C580AF915}"/>
+              </c:ext>
+            </c:extLst>
           </c:dPt>
           <c:cat>
             <c:strRef>
@@ -255,9 +274,13 @@
               </c:numCache>
             </c:numRef>
           </c:val>
+          <c:extLst>
+            <c:ext xmlns:c16="http://schemas.microsoft.com/office/drawing/2014/chart" uri="{C3380CC4-5D6E-409C-BE32-E72D297353CC}">
+              <c16:uniqueId val="{00000006-9624-4A3F-A513-973C580AF915}"/>
+            </c:ext>
+          </c:extLst>
         </c:ser>
         <c:dLbls>
-          <c:dLblPos val="inEnd"/>
           <c:showLegendKey val="0"/>
           <c:showVal val="0"/>
           <c:showCatName val="0"/>
@@ -944,7 +967,7 @@
           <a:p>
             <a:fld id="{B195BA79-D656-44BF-83C5-9C19033035E1}" type="datetimeFigureOut">
               <a:rPr lang="de-DE" smtClean="0"/>
-              <a:t>31. Jul. 2019</a:t>
+              <a:t>01.08.2019</a:t>
             </a:fld>
             <a:endParaRPr lang="de-DE"/>
           </a:p>
@@ -1008,38 +1031,37 @@
           <a:p>
             <a:pPr lvl="0"/>
             <a:r>
-              <a:rPr lang="de-DE" smtClean="0"/>
+              <a:rPr lang="de-DE"/>
               <a:t>Textmasterformat bearbeiten</a:t>
             </a:r>
           </a:p>
           <a:p>
             <a:pPr lvl="1"/>
             <a:r>
-              <a:rPr lang="de-DE" smtClean="0"/>
+              <a:rPr lang="de-DE"/>
               <a:t>Zweite Ebene</a:t>
             </a:r>
           </a:p>
           <a:p>
             <a:pPr lvl="2"/>
             <a:r>
-              <a:rPr lang="de-DE" smtClean="0"/>
+              <a:rPr lang="de-DE"/>
               <a:t>Dritte Ebene</a:t>
             </a:r>
           </a:p>
           <a:p>
             <a:pPr lvl="3"/>
             <a:r>
-              <a:rPr lang="de-DE" smtClean="0"/>
+              <a:rPr lang="de-DE"/>
               <a:t>Vierte Ebene</a:t>
             </a:r>
           </a:p>
           <a:p>
             <a:pPr lvl="4"/>
             <a:r>
-              <a:rPr lang="de-DE" smtClean="0"/>
+              <a:rPr lang="de-DE"/>
               <a:t>Fünfte Ebene</a:t>
             </a:r>
-            <a:endParaRPr lang="de-DE"/>
           </a:p>
         </p:txBody>
       </p:sp>
@@ -1257,17 +1279,16 @@
           </a:lstStyle>
           <a:p>
             <a:r>
-              <a:rPr lang="de-DE" smtClean="0"/>
+              <a:rPr lang="de-DE"/>
               <a:t>Der Fachbereich</a:t>
             </a:r>
             <a:br>
-              <a:rPr lang="de-DE" smtClean="0"/>
+              <a:rPr lang="de-DE"/>
             </a:br>
             <a:r>
-              <a:rPr lang="de-DE" smtClean="0"/>
+              <a:rPr lang="de-DE"/>
               <a:t>Titelmasterformat durch Klicken bearbeiten</a:t>
             </a:r>
-            <a:endParaRPr lang="de-DE"/>
           </a:p>
         </p:txBody>
       </p:sp>
@@ -1381,10 +1402,9 @@
           </a:lstStyle>
           <a:p>
             <a:r>
-              <a:rPr lang="de-DE" smtClean="0"/>
+              <a:rPr lang="de-DE"/>
               <a:t>Formatvorlage des Untertitelmasters durch Klicken bearbeiten</a:t>
             </a:r>
-            <a:endParaRPr lang="de-DE"/>
           </a:p>
         </p:txBody>
       </p:sp>
@@ -1452,7 +1472,7 @@
           <a:lstStyle/>
           <a:p>
             <a:r>
-              <a:rPr lang="de-DE" sz="800" spc="0" baseline="0" dirty="0" smtClean="0">
+              <a:rPr lang="de-DE" sz="800" spc="0" baseline="0" dirty="0">
                 <a:solidFill>
                   <a:schemeClr val="tx1">
                     <a:lumMod val="85000"/>
@@ -1464,16 +1484,6 @@
               </a:rPr>
               <a:t>www.hs-kl.de</a:t>
             </a:r>
-            <a:endParaRPr lang="de-DE" sz="800" spc="0" baseline="0" dirty="0">
-              <a:solidFill>
-                <a:schemeClr val="tx1">
-                  <a:lumMod val="85000"/>
-                  <a:lumOff val="15000"/>
-                </a:schemeClr>
-              </a:solidFill>
-              <a:latin typeface="Arial" panose="020B0604020202020204" pitchFamily="34" charset="0"/>
-              <a:cs typeface="Arial" panose="020B0604020202020204" pitchFamily="34" charset="0"/>
-            </a:endParaRPr>
           </a:p>
         </p:txBody>
       </p:sp>
@@ -1493,7 +1503,7 @@
           <a:lstStyle/>
           <a:p>
             <a:r>
-              <a:rPr lang="de-DE" spc="-10" smtClean="0">
+              <a:rPr lang="de-DE" spc="-10">
                 <a:solidFill>
                   <a:schemeClr val="tx1">
                     <a:lumMod val="85000"/>
@@ -1515,9 +1525,9 @@
                 <a:cs typeface="Arial" panose="020B0604020202020204" pitchFamily="34" charset="0"/>
               </a:rPr>
               <a:pPr/>
-              <a:t>31. Juli 2019</a:t>
+              <a:t>1. August 2019</a:t>
             </a:fld>
-            <a:endParaRPr lang="de-DE" spc="-10" smtClean="0">
+            <a:endParaRPr lang="de-DE" spc="-10">
               <a:solidFill>
                 <a:schemeClr val="tx1">
                   <a:lumMod val="85000"/>
@@ -1539,13 +1549,6 @@
   <p:clrMapOvr>
     <a:masterClrMapping/>
   </p:clrMapOvr>
-  <p:timing>
-    <p:tnLst>
-      <p:par>
-        <p:cTn id="1" dur="indefinite" restart="never" nodeType="tmRoot"/>
-      </p:par>
-    </p:tnLst>
-  </p:timing>
 </p:sldLayout>
 </file>
 
@@ -1582,10 +1585,9 @@
           <a:lstStyle/>
           <a:p>
             <a:r>
-              <a:rPr lang="de-DE" smtClean="0"/>
+              <a:rPr lang="de-DE"/>
               <a:t>Titelmasterformat durch Klicken bearbeiten</a:t>
             </a:r>
-            <a:endParaRPr lang="de-DE"/>
           </a:p>
         </p:txBody>
       </p:sp>
@@ -1606,38 +1608,37 @@
           <a:p>
             <a:pPr lvl="0"/>
             <a:r>
-              <a:rPr lang="de-DE" smtClean="0"/>
+              <a:rPr lang="de-DE"/>
               <a:t>Textmasterformat bearbeiten</a:t>
             </a:r>
           </a:p>
           <a:p>
             <a:pPr lvl="1"/>
             <a:r>
-              <a:rPr lang="de-DE" smtClean="0"/>
+              <a:rPr lang="de-DE"/>
               <a:t>Zweite Ebene</a:t>
             </a:r>
           </a:p>
           <a:p>
             <a:pPr lvl="2"/>
             <a:r>
-              <a:rPr lang="de-DE" smtClean="0"/>
+              <a:rPr lang="de-DE"/>
               <a:t>Dritte Ebene</a:t>
             </a:r>
           </a:p>
           <a:p>
             <a:pPr lvl="3"/>
             <a:r>
-              <a:rPr lang="de-DE" smtClean="0"/>
+              <a:rPr lang="de-DE"/>
               <a:t>Vierte Ebene</a:t>
             </a:r>
           </a:p>
           <a:p>
             <a:pPr lvl="4"/>
             <a:r>
-              <a:rPr lang="de-DE" smtClean="0"/>
+              <a:rPr lang="de-DE"/>
               <a:t>Fünfte Ebene</a:t>
             </a:r>
-            <a:endParaRPr lang="de-DE"/>
           </a:p>
         </p:txBody>
       </p:sp>
@@ -1657,7 +1658,7 @@
           <a:lstStyle/>
           <a:p>
             <a:r>
-              <a:rPr lang="de-DE" spc="-10" smtClean="0">
+              <a:rPr lang="de-DE" spc="-10">
                 <a:solidFill>
                   <a:schemeClr val="tx1">
                     <a:lumMod val="85000"/>
@@ -1679,9 +1680,9 @@
                 <a:cs typeface="Arial" panose="020B0604020202020204" pitchFamily="34" charset="0"/>
               </a:rPr>
               <a:pPr/>
-              <a:t>31. Juli 2019</a:t>
+              <a:t>1. August 2019</a:t>
             </a:fld>
-            <a:endParaRPr lang="de-DE" spc="-10" smtClean="0">
+            <a:endParaRPr lang="de-DE" spc="-10">
               <a:solidFill>
                 <a:schemeClr val="tx1">
                   <a:lumMod val="85000"/>
@@ -1703,13 +1704,6 @@
   <p:clrMapOvr>
     <a:masterClrMapping/>
   </p:clrMapOvr>
-  <p:timing>
-    <p:tnLst>
-      <p:par>
-        <p:cTn id="1" dur="indefinite" restart="never" nodeType="tmRoot"/>
-      </p:par>
-    </p:tnLst>
-  </p:timing>
 </p:sldLayout>
 </file>
 
@@ -1751,10 +1745,9 @@
           <a:lstStyle/>
           <a:p>
             <a:r>
-              <a:rPr lang="de-DE" smtClean="0"/>
+              <a:rPr lang="de-DE"/>
               <a:t>Titelmasterformat durch Klicken bearbeiten</a:t>
             </a:r>
-            <a:endParaRPr lang="de-DE"/>
           </a:p>
         </p:txBody>
       </p:sp>
@@ -1780,38 +1773,37 @@
           <a:p>
             <a:pPr lvl="0"/>
             <a:r>
-              <a:rPr lang="de-DE" smtClean="0"/>
+              <a:rPr lang="de-DE"/>
               <a:t>Textmasterformat bearbeiten</a:t>
             </a:r>
           </a:p>
           <a:p>
             <a:pPr lvl="1"/>
             <a:r>
-              <a:rPr lang="de-DE" smtClean="0"/>
+              <a:rPr lang="de-DE"/>
               <a:t>Zweite Ebene</a:t>
             </a:r>
           </a:p>
           <a:p>
             <a:pPr lvl="2"/>
             <a:r>
-              <a:rPr lang="de-DE" smtClean="0"/>
+              <a:rPr lang="de-DE"/>
               <a:t>Dritte Ebene</a:t>
             </a:r>
           </a:p>
           <a:p>
             <a:pPr lvl="3"/>
             <a:r>
-              <a:rPr lang="de-DE" smtClean="0"/>
+              <a:rPr lang="de-DE"/>
               <a:t>Vierte Ebene</a:t>
             </a:r>
           </a:p>
           <a:p>
             <a:pPr lvl="4"/>
             <a:r>
-              <a:rPr lang="de-DE" smtClean="0"/>
+              <a:rPr lang="de-DE"/>
               <a:t>Fünfte Ebene</a:t>
             </a:r>
-            <a:endParaRPr lang="de-DE"/>
           </a:p>
         </p:txBody>
       </p:sp>
@@ -1831,7 +1823,7 @@
           <a:lstStyle/>
           <a:p>
             <a:r>
-              <a:rPr lang="de-DE" spc="-10" smtClean="0">
+              <a:rPr lang="de-DE" spc="-10">
                 <a:solidFill>
                   <a:schemeClr val="tx1">
                     <a:lumMod val="85000"/>
@@ -1853,9 +1845,9 @@
                 <a:cs typeface="Arial" panose="020B0604020202020204" pitchFamily="34" charset="0"/>
               </a:rPr>
               <a:pPr/>
-              <a:t>31. Juli 2019</a:t>
+              <a:t>1. August 2019</a:t>
             </a:fld>
-            <a:endParaRPr lang="de-DE" spc="-10" smtClean="0">
+            <a:endParaRPr lang="de-DE" spc="-10">
               <a:solidFill>
                 <a:schemeClr val="tx1">
                   <a:lumMod val="85000"/>
@@ -1889,38 +1881,37 @@
           <a:p>
             <a:pPr lvl="0"/>
             <a:r>
-              <a:rPr lang="de-DE" smtClean="0"/>
+              <a:rPr lang="de-DE"/>
               <a:t>Textmasterformat bearbeiten</a:t>
             </a:r>
           </a:p>
           <a:p>
             <a:pPr lvl="1"/>
             <a:r>
-              <a:rPr lang="de-DE" smtClean="0"/>
+              <a:rPr lang="de-DE"/>
               <a:t>Zweite Ebene</a:t>
             </a:r>
           </a:p>
           <a:p>
             <a:pPr lvl="2"/>
             <a:r>
-              <a:rPr lang="de-DE" smtClean="0"/>
+              <a:rPr lang="de-DE"/>
               <a:t>Dritte Ebene</a:t>
             </a:r>
           </a:p>
           <a:p>
             <a:pPr lvl="3"/>
             <a:r>
-              <a:rPr lang="de-DE" smtClean="0"/>
+              <a:rPr lang="de-DE"/>
               <a:t>Vierte Ebene</a:t>
             </a:r>
           </a:p>
           <a:p>
             <a:pPr lvl="4"/>
             <a:r>
-              <a:rPr lang="de-DE" smtClean="0"/>
+              <a:rPr lang="de-DE"/>
               <a:t>Fünfte Ebene</a:t>
             </a:r>
-            <a:endParaRPr lang="de-DE"/>
           </a:p>
         </p:txBody>
       </p:sp>
@@ -1934,13 +1925,6 @@
   <p:clrMapOvr>
     <a:masterClrMapping/>
   </p:clrMapOvr>
-  <p:timing>
-    <p:tnLst>
-      <p:par>
-        <p:cTn id="1" dur="indefinite" restart="never" nodeType="tmRoot"/>
-      </p:par>
-    </p:tnLst>
-  </p:timing>
 </p:sldLayout>
 </file>
 
@@ -1977,10 +1961,9 @@
           <a:lstStyle/>
           <a:p>
             <a:r>
-              <a:rPr lang="de-DE" smtClean="0"/>
+              <a:rPr lang="de-DE"/>
               <a:t>Titelmasterformat durch Klicken bearbeiten</a:t>
             </a:r>
-            <a:endParaRPr lang="de-DE"/>
           </a:p>
         </p:txBody>
       </p:sp>
@@ -2039,22 +2022,21 @@
           </a:lstStyle>
           <a:p>
             <a:r>
-              <a:rPr lang="de-DE" smtClean="0"/>
+              <a:rPr lang="de-DE"/>
               <a:t>Fließtext: Arial 16pt. Lorem ipsum dolor sit amet, consetetur sadipscing elitr, sed diam nonumy eirmod tempor invidunt ut labore et dolore magna aliquyam erat, sed diam voluptua. </a:t>
             </a:r>
           </a:p>
           <a:p>
             <a:r>
-              <a:rPr lang="de-DE" smtClean="0"/>
+              <a:rPr lang="de-DE"/>
               <a:t>At vero eos et accusam et justo duo dolores et ea rebum. Stet clita kasd gubergren, no sea takimata sanctus est Lorem ipsum dolor sit amet. </a:t>
             </a:r>
           </a:p>
           <a:p>
             <a:r>
-              <a:rPr lang="de-DE" smtClean="0"/>
+              <a:rPr lang="de-DE"/>
               <a:t>Lorem ipsum dolor sit amet, consetetur sadipscing elitr, sed diam nonumy eirmod tempor invidunt ut labore</a:t>
             </a:r>
-            <a:endParaRPr lang="de-DE"/>
           </a:p>
         </p:txBody>
       </p:sp>
@@ -2074,7 +2056,7 @@
           <a:lstStyle/>
           <a:p>
             <a:r>
-              <a:rPr lang="de-DE" spc="-10" smtClean="0">
+              <a:rPr lang="de-DE" spc="-10">
                 <a:solidFill>
                   <a:schemeClr val="tx1">
                     <a:lumMod val="85000"/>
@@ -2096,9 +2078,9 @@
                 <a:cs typeface="Arial" panose="020B0604020202020204" pitchFamily="34" charset="0"/>
               </a:rPr>
               <a:pPr/>
-              <a:t>31. Juli 2019</a:t>
+              <a:t>1. August 2019</a:t>
             </a:fld>
-            <a:endParaRPr lang="de-DE" spc="-10" smtClean="0">
+            <a:endParaRPr lang="de-DE" spc="-10">
               <a:solidFill>
                 <a:schemeClr val="tx1">
                   <a:lumMod val="85000"/>
@@ -2120,13 +2102,6 @@
   <p:clrMapOvr>
     <a:masterClrMapping/>
   </p:clrMapOvr>
-  <p:timing>
-    <p:tnLst>
-      <p:par>
-        <p:cTn id="1" dur="indefinite" restart="never" nodeType="tmRoot"/>
-      </p:par>
-    </p:tnLst>
-  </p:timing>
 </p:sldLayout>
 </file>
 
@@ -2176,24 +2151,23 @@
           </a:lstStyle>
           <a:p>
             <a:r>
-              <a:rPr lang="de-DE" smtClean="0"/>
+              <a:rPr lang="de-DE"/>
               <a:t>Bild mit Logo in weiß</a:t>
             </a:r>
             <a:br>
-              <a:rPr lang="de-DE" smtClean="0"/>
+              <a:rPr lang="de-DE"/>
             </a:br>
             <a:r>
-              <a:rPr lang="de-DE" smtClean="0"/>
+              <a:rPr lang="de-DE"/>
               <a:t>Hinweis: Logo muss aus Folienmaster (Folie 5) vor das Bild kopiert werden, </a:t>
             </a:r>
             <a:br>
-              <a:rPr lang="de-DE" smtClean="0"/>
+              <a:rPr lang="de-DE"/>
             </a:br>
             <a:r>
-              <a:rPr lang="de-DE" smtClean="0"/>
+              <a:rPr lang="de-DE"/>
               <a:t>da gefüllte Platzhalter automatisch im Vordergrund erscheinen</a:t>
             </a:r>
-            <a:endParaRPr lang="de-DE"/>
           </a:p>
         </p:txBody>
       </p:sp>
@@ -2248,13 +2222,6 @@
   <p:clrMapOvr>
     <a:masterClrMapping/>
   </p:clrMapOvr>
-  <p:timing>
-    <p:tnLst>
-      <p:par>
-        <p:cTn id="1" dur="indefinite" restart="never" nodeType="tmRoot"/>
-      </p:par>
-    </p:tnLst>
-  </p:timing>
 </p:sldLayout>
 </file>
 
@@ -2304,24 +2271,23 @@
           </a:lstStyle>
           <a:p>
             <a:r>
-              <a:rPr lang="de-DE" smtClean="0"/>
+              <a:rPr lang="de-DE"/>
               <a:t>Bild mit Logo</a:t>
             </a:r>
             <a:br>
-              <a:rPr lang="de-DE" smtClean="0"/>
+              <a:rPr lang="de-DE"/>
             </a:br>
             <a:r>
-              <a:rPr lang="de-DE" smtClean="0"/>
+              <a:rPr lang="de-DE"/>
               <a:t>Hinweis: Logo muss aus Folienmaster (Folie 6) vor das Bild kopiert werden, </a:t>
             </a:r>
             <a:br>
-              <a:rPr lang="de-DE" smtClean="0"/>
+              <a:rPr lang="de-DE"/>
             </a:br>
             <a:r>
-              <a:rPr lang="de-DE" smtClean="0"/>
+              <a:rPr lang="de-DE"/>
               <a:t>da gefüllte Platzhalter automatisch im Vordergrund erscheinen</a:t>
             </a:r>
-            <a:endParaRPr lang="de-DE"/>
           </a:p>
         </p:txBody>
       </p:sp>
@@ -2376,13 +2342,6 @@
   <p:clrMapOvr>
     <a:masterClrMapping/>
   </p:clrMapOvr>
-  <p:timing>
-    <p:tnLst>
-      <p:par>
-        <p:cTn id="1" dur="indefinite" restart="never" nodeType="tmRoot"/>
-      </p:par>
-    </p:tnLst>
-  </p:timing>
 </p:sldLayout>
 </file>
 
@@ -2443,107 +2402,107 @@
           <a:p>
             <a:pPr lvl="0"/>
             <a:r>
-              <a:rPr lang="de-DE" dirty="0" smtClean="0"/>
+              <a:rPr lang="de-DE" dirty="0"/>
               <a:t>„</a:t>
             </a:r>
             <a:r>
-              <a:rPr lang="de-DE" smtClean="0"/>
+              <a:rPr lang="de-DE"/>
               <a:t>Zitat Arial 36pt, </a:t>
             </a:r>
             <a:r>
-              <a:rPr lang="de-DE" dirty="0" err="1" smtClean="0"/>
+              <a:rPr lang="de-DE" dirty="0" err="1"/>
               <a:t>poemata</a:t>
             </a:r>
             <a:r>
-              <a:rPr lang="de-DE" dirty="0" smtClean="0"/>
+              <a:rPr lang="de-DE" dirty="0"/>
               <a:t> </a:t>
             </a:r>
             <a:r>
-              <a:rPr lang="de-DE" dirty="0" err="1" smtClean="0"/>
+              <a:rPr lang="de-DE" dirty="0" err="1"/>
               <a:t>reddit</a:t>
             </a:r>
             <a:r>
-              <a:rPr lang="de-DE" dirty="0" smtClean="0"/>
+              <a:rPr lang="de-DE" dirty="0"/>
               <a:t>: </a:t>
             </a:r>
             <a:r>
-              <a:rPr lang="de-DE" dirty="0" err="1" smtClean="0"/>
+              <a:rPr lang="de-DE" dirty="0" err="1"/>
               <a:t>Hil</a:t>
             </a:r>
             <a:r>
-              <a:rPr lang="de-DE" dirty="0" smtClean="0"/>
+              <a:rPr lang="de-DE" dirty="0"/>
               <a:t> in </a:t>
             </a:r>
             <a:r>
-              <a:rPr lang="de-DE" err="1" smtClean="0"/>
+              <a:rPr lang="de-DE" err="1"/>
               <a:t>repro</a:t>
             </a:r>
             <a:r>
-              <a:rPr lang="de-DE" smtClean="0"/>
+              <a:rPr lang="de-DE"/>
               <a:t> volest-runt </a:t>
             </a:r>
             <a:r>
-              <a:rPr lang="de-DE" dirty="0" err="1" smtClean="0"/>
+              <a:rPr lang="de-DE" dirty="0" err="1"/>
               <a:t>idenim</a:t>
             </a:r>
             <a:r>
-              <a:rPr lang="de-DE" dirty="0" smtClean="0"/>
+              <a:rPr lang="de-DE" dirty="0"/>
               <a:t> </a:t>
             </a:r>
             <a:r>
-              <a:rPr lang="de-DE" dirty="0" err="1" smtClean="0"/>
+              <a:rPr lang="de-DE" dirty="0" err="1"/>
               <a:t>fugitius</a:t>
             </a:r>
             <a:r>
-              <a:rPr lang="de-DE" dirty="0" smtClean="0"/>
+              <a:rPr lang="de-DE" dirty="0"/>
               <a:t>. </a:t>
             </a:r>
             <a:r>
-              <a:rPr lang="de-DE" dirty="0" err="1" smtClean="0"/>
+              <a:rPr lang="de-DE" dirty="0" err="1"/>
               <a:t>Bero</a:t>
             </a:r>
             <a:r>
-              <a:rPr lang="de-DE" dirty="0" smtClean="0"/>
+              <a:rPr lang="de-DE" dirty="0"/>
               <a:t> </a:t>
             </a:r>
             <a:r>
-              <a:rPr lang="de-DE" dirty="0" err="1" smtClean="0"/>
+              <a:rPr lang="de-DE" dirty="0" err="1"/>
               <a:t>ellatem</a:t>
             </a:r>
             <a:r>
-              <a:rPr lang="de-DE" dirty="0" smtClean="0"/>
+              <a:rPr lang="de-DE" dirty="0"/>
               <a:t> </a:t>
             </a:r>
             <a:r>
-              <a:rPr lang="de-DE" dirty="0" err="1" smtClean="0"/>
+              <a:rPr lang="de-DE" dirty="0" err="1"/>
               <a:t>quasitin</a:t>
             </a:r>
             <a:r>
-              <a:rPr lang="de-DE" dirty="0" smtClean="0"/>
+              <a:rPr lang="de-DE" dirty="0"/>
               <a:t> </a:t>
             </a:r>
             <a:r>
-              <a:rPr lang="de-DE" dirty="0" err="1" smtClean="0"/>
+              <a:rPr lang="de-DE" dirty="0" err="1"/>
               <a:t>pel</a:t>
             </a:r>
             <a:r>
-              <a:rPr lang="de-DE" dirty="0" smtClean="0"/>
+              <a:rPr lang="de-DE" dirty="0"/>
               <a:t> </a:t>
             </a:r>
             <a:r>
-              <a:rPr lang="de-DE" dirty="0" err="1" smtClean="0"/>
+              <a:rPr lang="de-DE" dirty="0" err="1"/>
               <a:t>explignate</a:t>
             </a:r>
             <a:r>
-              <a:rPr lang="de-DE" dirty="0" smtClean="0"/>
+              <a:rPr lang="de-DE" dirty="0"/>
               <a:t> </a:t>
             </a:r>
             <a:r>
-              <a:rPr lang="de-DE" dirty="0" err="1" smtClean="0"/>
+              <a:rPr lang="de-DE" dirty="0" err="1"/>
               <a:t>mostruptas</a:t>
             </a:r>
             <a:r>
-              <a:rPr lang="de-DE" dirty="0" smtClean="0"/>
+              <a:rPr lang="de-DE" dirty="0"/>
               <a:t>.“</a:t>
             </a:r>
           </a:p>
@@ -2606,34 +2565,33 @@
           <a:p>
             <a:pPr lvl="0"/>
             <a:r>
-              <a:rPr lang="de-DE" dirty="0" smtClean="0"/>
+              <a:rPr lang="de-DE" dirty="0"/>
               <a:t>Max Mustermann / </a:t>
             </a:r>
             <a:r>
-              <a:rPr lang="de-DE" dirty="0" err="1" smtClean="0"/>
+              <a:rPr lang="de-DE" dirty="0" err="1"/>
               <a:t>Lorem</a:t>
             </a:r>
             <a:r>
-              <a:rPr lang="de-DE" dirty="0" smtClean="0"/>
+              <a:rPr lang="de-DE" dirty="0"/>
               <a:t> </a:t>
             </a:r>
             <a:r>
-              <a:rPr lang="de-DE" dirty="0" err="1" smtClean="0"/>
+              <a:rPr lang="de-DE" dirty="0" err="1"/>
               <a:t>ipsum</a:t>
             </a:r>
             <a:r>
-              <a:rPr lang="de-DE" dirty="0" smtClean="0"/>
+              <a:rPr lang="de-DE" dirty="0"/>
               <a:t> </a:t>
             </a:r>
             <a:r>
-              <a:rPr lang="de-DE" dirty="0" err="1" smtClean="0"/>
+              <a:rPr lang="de-DE" dirty="0" err="1"/>
               <a:t>dolores</a:t>
             </a:r>
             <a:r>
-              <a:rPr lang="de-DE" dirty="0" smtClean="0"/>
+              <a:rPr lang="de-DE" dirty="0"/>
               <a:t> 2013</a:t>
             </a:r>
-            <a:endParaRPr lang="de-DE" dirty="0"/>
           </a:p>
         </p:txBody>
       </p:sp>
@@ -2653,7 +2611,7 @@
           <a:lstStyle/>
           <a:p>
             <a:r>
-              <a:rPr lang="de-DE" spc="-10" smtClean="0">
+              <a:rPr lang="de-DE" spc="-10">
                 <a:solidFill>
                   <a:schemeClr val="tx1">
                     <a:lumMod val="85000"/>
@@ -2675,9 +2633,9 @@
                 <a:cs typeface="Arial" panose="020B0604020202020204" pitchFamily="34" charset="0"/>
               </a:rPr>
               <a:pPr/>
-              <a:t>31. Juli 2019</a:t>
+              <a:t>1. August 2019</a:t>
             </a:fld>
-            <a:endParaRPr lang="de-DE" spc="-10" smtClean="0">
+            <a:endParaRPr lang="de-DE" spc="-10">
               <a:solidFill>
                 <a:schemeClr val="tx1">
                   <a:lumMod val="85000"/>
@@ -2699,13 +2657,6 @@
   <p:clrMapOvr>
     <a:masterClrMapping/>
   </p:clrMapOvr>
-  <p:timing>
-    <p:tnLst>
-      <p:par>
-        <p:cTn id="1" dur="indefinite" restart="never" nodeType="tmRoot"/>
-      </p:par>
-    </p:tnLst>
-  </p:timing>
 </p:sldLayout>
 </file>
 
@@ -2742,7 +2693,7 @@
           <a:lstStyle/>
           <a:p>
             <a:r>
-              <a:rPr lang="de-DE" spc="-10" smtClean="0">
+              <a:rPr lang="de-DE" spc="-10">
                 <a:solidFill>
                   <a:schemeClr val="tx1">
                     <a:lumMod val="85000"/>
@@ -2764,9 +2715,9 @@
                 <a:cs typeface="Arial" panose="020B0604020202020204" pitchFamily="34" charset="0"/>
               </a:rPr>
               <a:pPr/>
-              <a:t>31. Juli 2019</a:t>
+              <a:t>1. August 2019</a:t>
             </a:fld>
-            <a:endParaRPr lang="de-DE" spc="-10" smtClean="0">
+            <a:endParaRPr lang="de-DE" spc="-10">
               <a:solidFill>
                 <a:schemeClr val="tx1">
                   <a:lumMod val="85000"/>
@@ -2788,13 +2739,6 @@
   <p:clrMapOvr>
     <a:masterClrMapping/>
   </p:clrMapOvr>
-  <p:timing>
-    <p:tnLst>
-      <p:par>
-        <p:cTn id="1" dur="indefinite" restart="never" nodeType="tmRoot"/>
-      </p:par>
-    </p:tnLst>
-  </p:timing>
 </p:sldLayout>
 </file>
 
@@ -2873,7 +2817,7 @@
           <a:p>
             <a:pPr lvl="0"/>
             <a:r>
-              <a:rPr lang="de-DE" smtClean="0"/>
+              <a:rPr lang="de-DE"/>
               <a:t>©</a:t>
             </a:r>
             <a:endParaRPr lang="de-DE" dirty="0"/>
@@ -2938,19 +2882,19 @@
           </a:lstStyle>
           <a:p>
             <a:r>
-              <a:rPr lang="de-DE" smtClean="0"/>
+              <a:rPr lang="de-DE"/>
               <a:t>© Hochschule Kaiserslautern 2014.</a:t>
             </a:r>
           </a:p>
           <a:p>
             <a:r>
-              <a:rPr lang="de-DE" smtClean="0"/>
+              <a:rPr lang="de-DE"/>
               <a:t>Impressum/Acknowledgement Arial 10,5pt. Lorem ipsum dolor sit amet, consetetur sadipscing elitr, sed diam nonumy eirmod tempor invidunt ut labore et dolore magna aliquyam erat, sed diam voluptua. At vero eos et accusam et justo duo dolores et ea rebum. Stet clita kasd gubergren, no sea takimata sanctus est Lorem ipsum dolor sit amet. Lorem ipsum dolor sit amet, consetetur sadipscing elitr, sed diam nonumy eirmod tempor invidunt ut labore et dolore magna aliquyam erat, sed diam voluptua. At vero eos et accusam et justo duo dolores et ea rebum. Stet clita kasd gubergren, no sea takimata sanctus est Lorem ipsum dolor sit amet.</a:t>
             </a:r>
           </a:p>
           <a:p>
             <a:r>
-              <a:rPr lang="de-DE" smtClean="0"/>
+              <a:rPr lang="de-DE"/>
               <a:t>Lorem ipsum dolor sit amet, consetetur sadipscing elitr, sed diam nonumy eirmod tempor invidunt ut labore et dolore magna aliquyam erat, sed diam voluptua. At vero eos et accusam et justo duo dolores et ea rebum. Stet clita kasd gubergren, no sea takimata sanctus est Lorem ipsum dolor sit amet. Lorem ipsum dolor sit amet, consetetur sadipscing elitr, sed diam nonumy eirmod tempor invidunt ut labore et dolore magna aliquyam erat, sed diam voluptua. At vero eos et accusam et justo duo dolores et ea rebum. Stet clita kasd gubergren, no sea takimata sanctus est Lorem ipsum dolor sit amet.</a:t>
             </a:r>
           </a:p>
@@ -2972,7 +2916,7 @@
           <a:lstStyle/>
           <a:p>
             <a:r>
-              <a:rPr lang="de-DE" spc="-10" smtClean="0">
+              <a:rPr lang="de-DE" spc="-10">
                 <a:solidFill>
                   <a:schemeClr val="tx1">
                     <a:lumMod val="85000"/>
@@ -2994,9 +2938,9 @@
                 <a:cs typeface="Arial" panose="020B0604020202020204" pitchFamily="34" charset="0"/>
               </a:rPr>
               <a:pPr/>
-              <a:t>31. Juli 2019</a:t>
+              <a:t>1. August 2019</a:t>
             </a:fld>
-            <a:endParaRPr lang="de-DE" spc="-10" smtClean="0">
+            <a:endParaRPr lang="de-DE" spc="-10">
               <a:solidFill>
                 <a:schemeClr val="tx1">
                   <a:lumMod val="85000"/>
@@ -3018,13 +2962,6 @@
   <p:clrMapOvr>
     <a:masterClrMapping/>
   </p:clrMapOvr>
-  <p:timing>
-    <p:tnLst>
-      <p:par>
-        <p:cTn id="1" dur="indefinite" restart="never" nodeType="tmRoot"/>
-      </p:par>
-    </p:tnLst>
-  </p:timing>
 </p:sldLayout>
 </file>
 
@@ -3076,10 +3013,9 @@
           <a:lstStyle/>
           <a:p>
             <a:r>
-              <a:rPr lang="de-DE" smtClean="0"/>
+              <a:rPr lang="de-DE"/>
               <a:t>Titelmasterformat durch Klicken bearbeiten</a:t>
             </a:r>
-            <a:endParaRPr lang="de-DE"/>
           </a:p>
         </p:txBody>
       </p:sp>
@@ -3110,38 +3046,37 @@
           <a:p>
             <a:pPr lvl="0"/>
             <a:r>
-              <a:rPr lang="de-DE" smtClean="0"/>
+              <a:rPr lang="de-DE"/>
               <a:t>Textmasterformat bearbeiten</a:t>
             </a:r>
           </a:p>
           <a:p>
             <a:pPr lvl="1"/>
             <a:r>
-              <a:rPr lang="de-DE" smtClean="0"/>
+              <a:rPr lang="de-DE"/>
               <a:t>Zweite Ebene</a:t>
             </a:r>
           </a:p>
           <a:p>
             <a:pPr lvl="2"/>
             <a:r>
-              <a:rPr lang="de-DE" smtClean="0"/>
+              <a:rPr lang="de-DE"/>
               <a:t>Dritte Ebene</a:t>
             </a:r>
           </a:p>
           <a:p>
             <a:pPr lvl="3"/>
             <a:r>
-              <a:rPr lang="de-DE" smtClean="0"/>
+              <a:rPr lang="de-DE"/>
               <a:t>Vierte Ebene</a:t>
             </a:r>
           </a:p>
           <a:p>
             <a:pPr lvl="4"/>
             <a:r>
-              <a:rPr lang="de-DE" smtClean="0"/>
+              <a:rPr lang="de-DE"/>
               <a:t>Fünfte Ebene</a:t>
             </a:r>
-            <a:endParaRPr lang="de-DE"/>
           </a:p>
         </p:txBody>
       </p:sp>
@@ -3168,7 +3103,7 @@
           <a:lstStyle/>
           <a:p>
             <a:r>
-              <a:rPr lang="de-DE" sz="800" spc="0" baseline="0" dirty="0" smtClean="0">
+              <a:rPr lang="de-DE" sz="800" spc="0" baseline="0" dirty="0">
                 <a:solidFill>
                   <a:schemeClr val="tx1">
                     <a:lumMod val="85000"/>
@@ -3180,16 +3115,6 @@
               </a:rPr>
               <a:t>www.hs-kl.de</a:t>
             </a:r>
-            <a:endParaRPr lang="de-DE" sz="800" spc="0" baseline="0" dirty="0">
-              <a:solidFill>
-                <a:schemeClr val="tx1">
-                  <a:lumMod val="85000"/>
-                  <a:lumOff val="15000"/>
-                </a:schemeClr>
-              </a:solidFill>
-              <a:latin typeface="Arial" panose="020B0604020202020204" pitchFamily="34" charset="0"/>
-              <a:cs typeface="Arial" panose="020B0604020202020204" pitchFamily="34" charset="0"/>
-            </a:endParaRPr>
           </a:p>
         </p:txBody>
       </p:sp>
@@ -3275,7 +3200,7 @@
           </a:lstStyle>
           <a:p>
             <a:r>
-              <a:rPr lang="de-DE" spc="-10" smtClean="0">
+              <a:rPr lang="de-DE" spc="-10">
                 <a:solidFill>
                   <a:schemeClr val="tx1">
                     <a:lumMod val="85000"/>
@@ -3297,9 +3222,9 @@
                 <a:cs typeface="Arial" panose="020B0604020202020204" pitchFamily="34" charset="0"/>
               </a:rPr>
               <a:pPr/>
-              <a:t>31. Juli 2019</a:t>
+              <a:t>1. August 2019</a:t>
             </a:fld>
-            <a:endParaRPr lang="de-DE" spc="-10" smtClean="0">
+            <a:endParaRPr lang="de-DE" spc="-10">
               <a:solidFill>
                 <a:schemeClr val="tx1">
                   <a:lumMod val="85000"/>
@@ -3371,13 +3296,6 @@
     <p:sldLayoutId id="2147483655" r:id="rId8"/>
     <p:sldLayoutId id="2147483663" r:id="rId9"/>
   </p:sldLayoutIdLst>
-  <p:timing>
-    <p:tnLst>
-      <p:par>
-        <p:cTn id="1" dur="indefinite" restart="never" nodeType="tmRoot"/>
-      </p:par>
-    </p:tnLst>
-  </p:timing>
   <p:hf sldNum="0" hdr="0" dt="0"/>
   <p:txStyles>
     <p:titleStyle>
@@ -3698,22 +3616,18 @@
           <a:lstStyle/>
           <a:p>
             <a:r>
-              <a:rPr lang="de-DE" dirty="0" smtClean="0">
+              <a:rPr lang="de-DE" dirty="0">
                 <a:solidFill>
                   <a:schemeClr val="tx1"/>
                 </a:solidFill>
               </a:rPr>
               <a:t>Anatoli Schäfer, Marc Zintel</a:t>
             </a:r>
-            <a:r>
-              <a:rPr lang="de-DE" dirty="0"/>
-              <a:t/>
-            </a:r>
             <a:br>
               <a:rPr lang="de-DE" dirty="0"/>
             </a:br>
             <a:r>
-              <a:rPr lang="de-DE" dirty="0" err="1" smtClean="0"/>
+              <a:rPr lang="de-DE" dirty="0" err="1"/>
               <a:t>Contactbook</a:t>
             </a:r>
             <a:endParaRPr lang="de-DE" dirty="0">
@@ -3743,7 +3657,6 @@
               <a:rPr lang="de-DE" dirty="0"/>
               <a:t>Mobile Anwendungen mit Android</a:t>
             </a:r>
-            <a:endParaRPr lang="de-DE" dirty="0"/>
           </a:p>
         </p:txBody>
       </p:sp>
@@ -3763,7 +3676,7 @@
           <a:lstStyle/>
           <a:p>
             <a:r>
-              <a:rPr lang="de-DE" spc="-10" smtClean="0">
+              <a:rPr lang="de-DE" spc="-10">
                 <a:solidFill>
                   <a:schemeClr val="tx1">
                     <a:lumMod val="85000"/>
@@ -3785,9 +3698,9 @@
                 <a:cs typeface="Arial" panose="020B0604020202020204" pitchFamily="34" charset="0"/>
               </a:rPr>
               <a:pPr/>
-              <a:t>31. Juli 2019</a:t>
+              <a:t>1. August 2019</a:t>
             </a:fld>
-            <a:endParaRPr lang="de-DE" spc="-10" smtClean="0">
+            <a:endParaRPr lang="de-DE" spc="-10">
               <a:solidFill>
                 <a:schemeClr val="tx1">
                   <a:lumMod val="85000"/>
@@ -3812,17 +3725,601 @@
   <p:transition spd="slow">
     <p:cover/>
   </p:transition>
-  <p:timing>
-    <p:tnLst>
-      <p:par>
-        <p:cTn id="1" dur="indefinite" restart="never" nodeType="tmRoot"/>
-      </p:par>
-    </p:tnLst>
-  </p:timing>
 </p:sld>
 </file>
 
 <file path=ppt/slides/slide10.xml><?xml version="1.0" encoding="utf-8"?>
+<p:sld xmlns:a="http://schemas.openxmlformats.org/drawingml/2006/main" xmlns:r="http://schemas.openxmlformats.org/officeDocument/2006/relationships" xmlns:p="http://schemas.openxmlformats.org/presentationml/2006/main">
+  <p:cSld>
+    <p:spTree>
+      <p:nvGrpSpPr>
+        <p:cNvPr id="1" name=""/>
+        <p:cNvGrpSpPr/>
+        <p:nvPr/>
+      </p:nvGrpSpPr>
+      <p:grpSpPr>
+        <a:xfrm>
+          <a:off x="0" y="0"/>
+          <a:ext cx="0" cy="0"/>
+          <a:chOff x="0" y="0"/>
+          <a:chExt cx="0" cy="0"/>
+        </a:xfrm>
+      </p:grpSpPr>
+      <p:sp>
+        <p:nvSpPr>
+          <p:cNvPr id="2" name="Titel 1"/>
+          <p:cNvSpPr>
+            <a:spLocks noGrp="1"/>
+          </p:cNvSpPr>
+          <p:nvPr>
+            <p:ph type="title"/>
+          </p:nvPr>
+        </p:nvSpPr>
+        <p:spPr/>
+        <p:txBody>
+          <a:bodyPr/>
+          <a:lstStyle/>
+          <a:p>
+            <a:r>
+              <a:rPr lang="de-DE" dirty="0" err="1"/>
+              <a:t>ProfPics</a:t>
+            </a:r>
+            <a:endParaRPr lang="de-DE" dirty="0"/>
+          </a:p>
+        </p:txBody>
+      </p:sp>
+      <p:sp>
+        <p:nvSpPr>
+          <p:cNvPr id="4" name="Fußzeilenplatzhalter 3"/>
+          <p:cNvSpPr>
+            <a:spLocks noGrp="1"/>
+          </p:cNvSpPr>
+          <p:nvPr>
+            <p:ph type="ftr" sz="quarter" idx="10"/>
+          </p:nvPr>
+        </p:nvSpPr>
+        <p:spPr/>
+        <p:txBody>
+          <a:bodyPr/>
+          <a:lstStyle/>
+          <a:p>
+            <a:r>
+              <a:rPr lang="de-DE" spc="-10">
+                <a:solidFill>
+                  <a:schemeClr val="tx1">
+                    <a:lumMod val="85000"/>
+                    <a:lumOff val="15000"/>
+                  </a:schemeClr>
+                </a:solidFill>
+                <a:cs typeface="Arial" panose="020B0604020202020204" pitchFamily="34" charset="0"/>
+              </a:rPr>
+              <a:t>© Hochschule Kaiserslautern  //  Zweibrücken, </a:t>
+            </a:r>
+            <a:fld id="{3474FE31-354C-4967-80E7-6852960E7BBF}" type="datetime4">
+              <a:rPr lang="de-DE" spc="-10" smtClean="0">
+                <a:solidFill>
+                  <a:schemeClr val="tx1">
+                    <a:lumMod val="85000"/>
+                    <a:lumOff val="15000"/>
+                  </a:schemeClr>
+                </a:solidFill>
+                <a:cs typeface="Arial" panose="020B0604020202020204" pitchFamily="34" charset="0"/>
+              </a:rPr>
+              <a:pPr/>
+              <a:t>1. August 2019</a:t>
+            </a:fld>
+            <a:endParaRPr lang="de-DE" spc="-10">
+              <a:solidFill>
+                <a:schemeClr val="tx1">
+                  <a:lumMod val="85000"/>
+                  <a:lumOff val="15000"/>
+                </a:schemeClr>
+              </a:solidFill>
+              <a:cs typeface="Arial" panose="020B0604020202020204" pitchFamily="34" charset="0"/>
+            </a:endParaRPr>
+          </a:p>
+        </p:txBody>
+      </p:sp>
+      <p:pic>
+        <p:nvPicPr>
+          <p:cNvPr id="3" name="Grafik 2">
+            <a:extLst>
+              <a:ext uri="{FF2B5EF4-FFF2-40B4-BE49-F238E27FC236}">
+                <a16:creationId xmlns:a16="http://schemas.microsoft.com/office/drawing/2014/main" id="{91A3D162-1365-46E4-9C8D-B81A75F7C0EF}"/>
+              </a:ext>
+            </a:extLst>
+          </p:cNvPr>
+          <p:cNvPicPr>
+            <a:picLocks noChangeAspect="1"/>
+          </p:cNvPicPr>
+          <p:nvPr/>
+        </p:nvPicPr>
+        <p:blipFill>
+          <a:blip r:embed="rId2"/>
+          <a:stretch>
+            <a:fillRect/>
+          </a:stretch>
+        </p:blipFill>
+        <p:spPr>
+          <a:xfrm>
+            <a:off x="1142648" y="2619098"/>
+            <a:ext cx="5970082" cy="2562501"/>
+          </a:xfrm>
+          <a:prstGeom prst="rect">
+            <a:avLst/>
+          </a:prstGeom>
+        </p:spPr>
+      </p:pic>
+    </p:spTree>
+    <p:extLst>
+      <p:ext uri="{BB962C8B-B14F-4D97-AF65-F5344CB8AC3E}">
+        <p14:creationId xmlns:p14="http://schemas.microsoft.com/office/powerpoint/2010/main" val="4181084754"/>
+      </p:ext>
+    </p:extLst>
+  </p:cSld>
+  <p:clrMapOvr>
+    <a:masterClrMapping/>
+  </p:clrMapOvr>
+  <mc:AlternateContent xmlns:mc="http://schemas.openxmlformats.org/markup-compatibility/2006" xmlns:p14="http://schemas.microsoft.com/office/powerpoint/2010/main">
+    <mc:Choice Requires="p14">
+      <p:transition spd="med" p14:dur="700">
+        <p:fade/>
+      </p:transition>
+    </mc:Choice>
+    <mc:Fallback xmlns="">
+      <p:transition spd="med">
+        <p:fade/>
+      </p:transition>
+    </mc:Fallback>
+  </mc:AlternateContent>
+</p:sld>
+</file>
+
+<file path=ppt/slides/slide11.xml><?xml version="1.0" encoding="utf-8"?>
+<p:sld xmlns:a="http://schemas.openxmlformats.org/drawingml/2006/main" xmlns:r="http://schemas.openxmlformats.org/officeDocument/2006/relationships" xmlns:p="http://schemas.openxmlformats.org/presentationml/2006/main">
+  <p:cSld>
+    <p:spTree>
+      <p:nvGrpSpPr>
+        <p:cNvPr id="1" name=""/>
+        <p:cNvGrpSpPr/>
+        <p:nvPr/>
+      </p:nvGrpSpPr>
+      <p:grpSpPr>
+        <a:xfrm>
+          <a:off x="0" y="0"/>
+          <a:ext cx="0" cy="0"/>
+          <a:chOff x="0" y="0"/>
+          <a:chExt cx="0" cy="0"/>
+        </a:xfrm>
+      </p:grpSpPr>
+      <p:sp>
+        <p:nvSpPr>
+          <p:cNvPr id="2" name="Titel 1"/>
+          <p:cNvSpPr>
+            <a:spLocks noGrp="1"/>
+          </p:cNvSpPr>
+          <p:nvPr>
+            <p:ph type="title"/>
+          </p:nvPr>
+        </p:nvSpPr>
+        <p:spPr/>
+        <p:txBody>
+          <a:bodyPr/>
+          <a:lstStyle/>
+          <a:p>
+            <a:r>
+              <a:rPr lang="de-DE" dirty="0" err="1"/>
+              <a:t>DbBitmapUtility</a:t>
+            </a:r>
+            <a:endParaRPr lang="de-DE" dirty="0"/>
+          </a:p>
+        </p:txBody>
+      </p:sp>
+      <p:sp>
+        <p:nvSpPr>
+          <p:cNvPr id="4" name="Fußzeilenplatzhalter 3"/>
+          <p:cNvSpPr>
+            <a:spLocks noGrp="1"/>
+          </p:cNvSpPr>
+          <p:nvPr>
+            <p:ph type="ftr" sz="quarter" idx="10"/>
+          </p:nvPr>
+        </p:nvSpPr>
+        <p:spPr/>
+        <p:txBody>
+          <a:bodyPr/>
+          <a:lstStyle/>
+          <a:p>
+            <a:r>
+              <a:rPr lang="de-DE" spc="-10">
+                <a:solidFill>
+                  <a:schemeClr val="tx1">
+                    <a:lumMod val="85000"/>
+                    <a:lumOff val="15000"/>
+                  </a:schemeClr>
+                </a:solidFill>
+                <a:cs typeface="Arial" panose="020B0604020202020204" pitchFamily="34" charset="0"/>
+              </a:rPr>
+              <a:t>© Hochschule Kaiserslautern  //  Zweibrücken, </a:t>
+            </a:r>
+            <a:fld id="{3474FE31-354C-4967-80E7-6852960E7BBF}" type="datetime4">
+              <a:rPr lang="de-DE" spc="-10" smtClean="0">
+                <a:solidFill>
+                  <a:schemeClr val="tx1">
+                    <a:lumMod val="85000"/>
+                    <a:lumOff val="15000"/>
+                  </a:schemeClr>
+                </a:solidFill>
+                <a:cs typeface="Arial" panose="020B0604020202020204" pitchFamily="34" charset="0"/>
+              </a:rPr>
+              <a:pPr/>
+              <a:t>1. August 2019</a:t>
+            </a:fld>
+            <a:endParaRPr lang="de-DE" spc="-10">
+              <a:solidFill>
+                <a:schemeClr val="tx1">
+                  <a:lumMod val="85000"/>
+                  <a:lumOff val="15000"/>
+                </a:schemeClr>
+              </a:solidFill>
+              <a:cs typeface="Arial" panose="020B0604020202020204" pitchFamily="34" charset="0"/>
+            </a:endParaRPr>
+          </a:p>
+        </p:txBody>
+      </p:sp>
+      <p:pic>
+        <p:nvPicPr>
+          <p:cNvPr id="7" name="Grafik 6">
+            <a:extLst>
+              <a:ext uri="{FF2B5EF4-FFF2-40B4-BE49-F238E27FC236}">
+                <a16:creationId xmlns:a16="http://schemas.microsoft.com/office/drawing/2014/main" id="{18A0234A-CFE3-4207-BB80-DF7D43EF9C70}"/>
+              </a:ext>
+            </a:extLst>
+          </p:cNvPr>
+          <p:cNvPicPr>
+            <a:picLocks noChangeAspect="1"/>
+          </p:cNvPicPr>
+          <p:nvPr/>
+        </p:nvPicPr>
+        <p:blipFill>
+          <a:blip r:embed="rId2"/>
+          <a:stretch>
+            <a:fillRect/>
+          </a:stretch>
+        </p:blipFill>
+        <p:spPr>
+          <a:xfrm>
+            <a:off x="1217965" y="2421607"/>
+            <a:ext cx="5534025" cy="3095625"/>
+          </a:xfrm>
+          <a:prstGeom prst="rect">
+            <a:avLst/>
+          </a:prstGeom>
+        </p:spPr>
+      </p:pic>
+    </p:spTree>
+    <p:extLst>
+      <p:ext uri="{BB962C8B-B14F-4D97-AF65-F5344CB8AC3E}">
+        <p14:creationId xmlns:p14="http://schemas.microsoft.com/office/powerpoint/2010/main" val="2482480421"/>
+      </p:ext>
+    </p:extLst>
+  </p:cSld>
+  <p:clrMapOvr>
+    <a:masterClrMapping/>
+  </p:clrMapOvr>
+  <mc:AlternateContent xmlns:mc="http://schemas.openxmlformats.org/markup-compatibility/2006" xmlns:p14="http://schemas.microsoft.com/office/powerpoint/2010/main">
+    <mc:Choice Requires="p14">
+      <p:transition spd="med" p14:dur="700">
+        <p:fade/>
+      </p:transition>
+    </mc:Choice>
+    <mc:Fallback xmlns="">
+      <p:transition spd="med">
+        <p:fade/>
+      </p:transition>
+    </mc:Fallback>
+  </mc:AlternateContent>
+</p:sld>
+</file>
+
+<file path=ppt/slides/slide12.xml><?xml version="1.0" encoding="utf-8"?>
+<p:sld xmlns:a="http://schemas.openxmlformats.org/drawingml/2006/main" xmlns:r="http://schemas.openxmlformats.org/officeDocument/2006/relationships" xmlns:p="http://schemas.openxmlformats.org/presentationml/2006/main">
+  <p:cSld>
+    <p:spTree>
+      <p:nvGrpSpPr>
+        <p:cNvPr id="1" name=""/>
+        <p:cNvGrpSpPr/>
+        <p:nvPr/>
+      </p:nvGrpSpPr>
+      <p:grpSpPr>
+        <a:xfrm>
+          <a:off x="0" y="0"/>
+          <a:ext cx="0" cy="0"/>
+          <a:chOff x="0" y="0"/>
+          <a:chExt cx="0" cy="0"/>
+        </a:xfrm>
+      </p:grpSpPr>
+      <p:sp>
+        <p:nvSpPr>
+          <p:cNvPr id="2" name="Titel 1"/>
+          <p:cNvSpPr>
+            <a:spLocks noGrp="1"/>
+          </p:cNvSpPr>
+          <p:nvPr>
+            <p:ph type="title"/>
+          </p:nvPr>
+        </p:nvSpPr>
+        <p:spPr/>
+        <p:txBody>
+          <a:bodyPr/>
+          <a:lstStyle/>
+          <a:p>
+            <a:r>
+              <a:rPr lang="de-DE" dirty="0" err="1"/>
+              <a:t>DBHelper</a:t>
+            </a:r>
+            <a:endParaRPr lang="de-DE" dirty="0"/>
+          </a:p>
+        </p:txBody>
+      </p:sp>
+      <p:sp>
+        <p:nvSpPr>
+          <p:cNvPr id="4" name="Fußzeilenplatzhalter 3"/>
+          <p:cNvSpPr>
+            <a:spLocks noGrp="1"/>
+          </p:cNvSpPr>
+          <p:nvPr>
+            <p:ph type="ftr" sz="quarter" idx="10"/>
+          </p:nvPr>
+        </p:nvSpPr>
+        <p:spPr/>
+        <p:txBody>
+          <a:bodyPr/>
+          <a:lstStyle/>
+          <a:p>
+            <a:r>
+              <a:rPr lang="de-DE" spc="-10">
+                <a:solidFill>
+                  <a:schemeClr val="tx1">
+                    <a:lumMod val="85000"/>
+                    <a:lumOff val="15000"/>
+                  </a:schemeClr>
+                </a:solidFill>
+                <a:cs typeface="Arial" panose="020B0604020202020204" pitchFamily="34" charset="0"/>
+              </a:rPr>
+              <a:t>© Hochschule Kaiserslautern  //  Zweibrücken, </a:t>
+            </a:r>
+            <a:fld id="{3474FE31-354C-4967-80E7-6852960E7BBF}" type="datetime4">
+              <a:rPr lang="de-DE" spc="-10" smtClean="0">
+                <a:solidFill>
+                  <a:schemeClr val="tx1">
+                    <a:lumMod val="85000"/>
+                    <a:lumOff val="15000"/>
+                  </a:schemeClr>
+                </a:solidFill>
+                <a:cs typeface="Arial" panose="020B0604020202020204" pitchFamily="34" charset="0"/>
+              </a:rPr>
+              <a:pPr/>
+              <a:t>1. August 2019</a:t>
+            </a:fld>
+            <a:endParaRPr lang="de-DE" spc="-10">
+              <a:solidFill>
+                <a:schemeClr val="tx1">
+                  <a:lumMod val="85000"/>
+                  <a:lumOff val="15000"/>
+                </a:schemeClr>
+              </a:solidFill>
+              <a:cs typeface="Arial" panose="020B0604020202020204" pitchFamily="34" charset="0"/>
+            </a:endParaRPr>
+          </a:p>
+        </p:txBody>
+      </p:sp>
+      <p:pic>
+        <p:nvPicPr>
+          <p:cNvPr id="5" name="Grafik 4">
+            <a:extLst>
+              <a:ext uri="{FF2B5EF4-FFF2-40B4-BE49-F238E27FC236}">
+                <a16:creationId xmlns:a16="http://schemas.microsoft.com/office/drawing/2014/main" id="{D82DF1A7-3C10-4E3E-B6DB-6378C6D29CCF}"/>
+              </a:ext>
+            </a:extLst>
+          </p:cNvPr>
+          <p:cNvPicPr>
+            <a:picLocks noChangeAspect="1"/>
+          </p:cNvPicPr>
+          <p:nvPr/>
+        </p:nvPicPr>
+        <p:blipFill>
+          <a:blip r:embed="rId2"/>
+          <a:stretch>
+            <a:fillRect/>
+          </a:stretch>
+        </p:blipFill>
+        <p:spPr>
+          <a:xfrm>
+            <a:off x="892274" y="2583532"/>
+            <a:ext cx="6501947" cy="3501048"/>
+          </a:xfrm>
+          <a:prstGeom prst="rect">
+            <a:avLst/>
+          </a:prstGeom>
+        </p:spPr>
+      </p:pic>
+    </p:spTree>
+    <p:extLst>
+      <p:ext uri="{BB962C8B-B14F-4D97-AF65-F5344CB8AC3E}">
+        <p14:creationId xmlns:p14="http://schemas.microsoft.com/office/powerpoint/2010/main" val="3231104953"/>
+      </p:ext>
+    </p:extLst>
+  </p:cSld>
+  <p:clrMapOvr>
+    <a:masterClrMapping/>
+  </p:clrMapOvr>
+  <mc:AlternateContent xmlns:mc="http://schemas.openxmlformats.org/markup-compatibility/2006" xmlns:p14="http://schemas.microsoft.com/office/powerpoint/2010/main">
+    <mc:Choice Requires="p14">
+      <p:transition spd="med" p14:dur="700">
+        <p:fade/>
+      </p:transition>
+    </mc:Choice>
+    <mc:Fallback xmlns="">
+      <p:transition spd="med">
+        <p:fade/>
+      </p:transition>
+    </mc:Fallback>
+  </mc:AlternateContent>
+</p:sld>
+</file>
+
+<file path=ppt/slides/slide13.xml><?xml version="1.0" encoding="utf-8"?>
+<p:sld xmlns:a="http://schemas.openxmlformats.org/drawingml/2006/main" xmlns:r="http://schemas.openxmlformats.org/officeDocument/2006/relationships" xmlns:p="http://schemas.openxmlformats.org/presentationml/2006/main">
+  <p:cSld>
+    <p:spTree>
+      <p:nvGrpSpPr>
+        <p:cNvPr id="1" name=""/>
+        <p:cNvGrpSpPr/>
+        <p:nvPr/>
+      </p:nvGrpSpPr>
+      <p:grpSpPr>
+        <a:xfrm>
+          <a:off x="0" y="0"/>
+          <a:ext cx="0" cy="0"/>
+          <a:chOff x="0" y="0"/>
+          <a:chExt cx="0" cy="0"/>
+        </a:xfrm>
+      </p:grpSpPr>
+      <p:sp>
+        <p:nvSpPr>
+          <p:cNvPr id="2" name="Titel 1"/>
+          <p:cNvSpPr>
+            <a:spLocks noGrp="1"/>
+          </p:cNvSpPr>
+          <p:nvPr>
+            <p:ph type="title"/>
+          </p:nvPr>
+        </p:nvSpPr>
+        <p:spPr/>
+        <p:txBody>
+          <a:bodyPr/>
+          <a:lstStyle/>
+          <a:p>
+            <a:r>
+              <a:rPr lang="de-DE" dirty="0"/>
+              <a:t>QR-Code generieren</a:t>
+            </a:r>
+            <a:br>
+              <a:rPr lang="de-DE" dirty="0"/>
+            </a:br>
+            <a:endParaRPr lang="de-DE" b="0" dirty="0"/>
+          </a:p>
+        </p:txBody>
+      </p:sp>
+      <p:sp>
+        <p:nvSpPr>
+          <p:cNvPr id="4" name="Fußzeilenplatzhalter 3"/>
+          <p:cNvSpPr>
+            <a:spLocks noGrp="1"/>
+          </p:cNvSpPr>
+          <p:nvPr>
+            <p:ph type="ftr" sz="quarter" idx="10"/>
+          </p:nvPr>
+        </p:nvSpPr>
+        <p:spPr/>
+        <p:txBody>
+          <a:bodyPr/>
+          <a:lstStyle/>
+          <a:p>
+            <a:r>
+              <a:rPr lang="de-DE" spc="-10">
+                <a:solidFill>
+                  <a:schemeClr val="tx1">
+                    <a:lumMod val="85000"/>
+                    <a:lumOff val="15000"/>
+                  </a:schemeClr>
+                </a:solidFill>
+                <a:cs typeface="Arial" panose="020B0604020202020204" pitchFamily="34" charset="0"/>
+              </a:rPr>
+              <a:t>© Hochschule Kaiserslautern  //  Zweibrücken, </a:t>
+            </a:r>
+            <a:fld id="{3474FE31-354C-4967-80E7-6852960E7BBF}" type="datetime4">
+              <a:rPr lang="de-DE" spc="-10" smtClean="0">
+                <a:solidFill>
+                  <a:schemeClr val="tx1">
+                    <a:lumMod val="85000"/>
+                    <a:lumOff val="15000"/>
+                  </a:schemeClr>
+                </a:solidFill>
+                <a:cs typeface="Arial" panose="020B0604020202020204" pitchFamily="34" charset="0"/>
+              </a:rPr>
+              <a:pPr/>
+              <a:t>1. August 2019</a:t>
+            </a:fld>
+            <a:endParaRPr lang="de-DE" spc="-10">
+              <a:solidFill>
+                <a:schemeClr val="tx1">
+                  <a:lumMod val="85000"/>
+                  <a:lumOff val="15000"/>
+                </a:schemeClr>
+              </a:solidFill>
+              <a:cs typeface="Arial" panose="020B0604020202020204" pitchFamily="34" charset="0"/>
+            </a:endParaRPr>
+          </a:p>
+        </p:txBody>
+      </p:sp>
+      <p:pic>
+        <p:nvPicPr>
+          <p:cNvPr id="6" name="Grafik 5">
+            <a:extLst>
+              <a:ext uri="{FF2B5EF4-FFF2-40B4-BE49-F238E27FC236}">
+                <a16:creationId xmlns:a16="http://schemas.microsoft.com/office/drawing/2014/main" id="{39ABEC12-AB29-406B-BFBC-486F749B9103}"/>
+              </a:ext>
+            </a:extLst>
+          </p:cNvPr>
+          <p:cNvPicPr>
+            <a:picLocks noChangeAspect="1"/>
+          </p:cNvPicPr>
+          <p:nvPr/>
+        </p:nvPicPr>
+        <p:blipFill>
+          <a:blip r:embed="rId2"/>
+          <a:stretch>
+            <a:fillRect/>
+          </a:stretch>
+        </p:blipFill>
+        <p:spPr>
+          <a:xfrm>
+            <a:off x="334081" y="2368162"/>
+            <a:ext cx="8283580" cy="1651389"/>
+          </a:xfrm>
+          <a:prstGeom prst="rect">
+            <a:avLst/>
+          </a:prstGeom>
+        </p:spPr>
+      </p:pic>
+    </p:spTree>
+    <p:extLst>
+      <p:ext uri="{BB962C8B-B14F-4D97-AF65-F5344CB8AC3E}">
+        <p14:creationId xmlns:p14="http://schemas.microsoft.com/office/powerpoint/2010/main" val="289377575"/>
+      </p:ext>
+    </p:extLst>
+  </p:cSld>
+  <p:clrMapOvr>
+    <a:masterClrMapping/>
+  </p:clrMapOvr>
+  <mc:AlternateContent xmlns:mc="http://schemas.openxmlformats.org/markup-compatibility/2006" xmlns:p14="http://schemas.microsoft.com/office/powerpoint/2010/main">
+    <mc:Choice Requires="p14">
+      <p:transition spd="med" p14:dur="700">
+        <p:fade/>
+      </p:transition>
+    </mc:Choice>
+    <mc:Fallback xmlns="">
+      <p:transition spd="med">
+        <p:fade/>
+      </p:transition>
+    </mc:Fallback>
+  </mc:AlternateContent>
+</p:sld>
+</file>
+
+<file path=ppt/slides/slide14.xml><?xml version="1.0" encoding="utf-8"?>
 <p:sld xmlns:a="http://schemas.openxmlformats.org/drawingml/2006/main" xmlns:r="http://schemas.openxmlformats.org/officeDocument/2006/relationships" xmlns:p="http://schemas.openxmlformats.org/presentationml/2006/main">
   <p:cSld>
     <p:spTree>
@@ -3860,10 +4357,9 @@
           <a:lstStyle/>
           <a:p>
             <a:r>
-              <a:rPr lang="de-DE" dirty="0" smtClean="0"/>
+              <a:rPr lang="de-DE" dirty="0"/>
               <a:t>5. Probleme und Lösungen</a:t>
             </a:r>
-            <a:endParaRPr lang="de-DE" dirty="0"/>
           </a:p>
         </p:txBody>
       </p:sp>
@@ -3883,7 +4379,7 @@
           <a:lstStyle/>
           <a:p>
             <a:r>
-              <a:rPr lang="de-DE" spc="-10" smtClean="0">
+              <a:rPr lang="de-DE" spc="-10">
                 <a:solidFill>
                   <a:schemeClr val="tx1">
                     <a:lumMod val="85000"/>
@@ -3905,9 +4401,9 @@
                 <a:cs typeface="Arial" panose="020B0604020202020204" pitchFamily="34" charset="0"/>
               </a:rPr>
               <a:pPr/>
-              <a:t>31. Juli 2019</a:t>
+              <a:t>1. August 2019</a:t>
             </a:fld>
-            <a:endParaRPr lang="de-DE" spc="-10" smtClean="0">
+            <a:endParaRPr lang="de-DE" spc="-10">
               <a:solidFill>
                 <a:schemeClr val="tx1">
                   <a:lumMod val="85000"/>
@@ -3995,27 +4491,14 @@
           <a:p>
             <a:r>
               <a:rPr lang="de-DE" sz="800" dirty="0"/>
-              <a:t>Quellen: https://</a:t>
-            </a:r>
-            <a:r>
-              <a:rPr lang="de-DE" sz="800" dirty="0" smtClean="0"/>
-              <a:t>www.qrcode-generator.de/wp-content/themes/qr/new_structure/generator/dist/generator/assets/images/websiteQRCode_noFrame.png</a:t>
+              <a:t>Quellen: https://www.qrcode-generator.de/wp-content/themes/qr/new_structure/generator/dist/generator/assets/images/websiteQRCode_noFrame.png</a:t>
             </a:r>
           </a:p>
           <a:p>
             <a:r>
               <a:rPr lang="de-DE" sz="800" dirty="0"/>
-              <a:t>https://</a:t>
-            </a:r>
-            <a:r>
-              <a:rPr lang="de-DE" sz="800" dirty="0" smtClean="0"/>
-              <a:t>upload.wikimedia.org/wikipedia/commons/thumb/3/34/PICA.jpg/1200px-PICA.jpg; https</a:t>
-            </a:r>
-            <a:r>
-              <a:rPr lang="de-DE" sz="800" dirty="0"/>
-              <a:t>://hci.hs-kl.de/dieter-wallach/</a:t>
-            </a:r>
-            <a:endParaRPr lang="de-DE" sz="800" dirty="0" smtClean="0"/>
+              <a:t>https://upload.wikimedia.org/wikipedia/commons/thumb/3/34/PICA.jpg/1200px-PICA.jpg; https://hci.hs-kl.de/dieter-wallach/</a:t>
+            </a:r>
           </a:p>
           <a:p>
             <a:endParaRPr lang="de-DE" sz="800" dirty="0"/>
@@ -4348,7 +4831,7 @@
 </p:sld>
 </file>
 
-<file path=ppt/slides/slide11.xml><?xml version="1.0" encoding="utf-8"?>
+<file path=ppt/slides/slide15.xml><?xml version="1.0" encoding="utf-8"?>
 <p:sld xmlns:a="http://schemas.openxmlformats.org/drawingml/2006/main" xmlns:r="http://schemas.openxmlformats.org/officeDocument/2006/relationships" xmlns:p="http://schemas.openxmlformats.org/presentationml/2006/main">
   <p:cSld>
     <p:spTree>
@@ -4386,10 +4869,9 @@
           <a:lstStyle/>
           <a:p>
             <a:r>
-              <a:rPr lang="de-DE" dirty="0" smtClean="0"/>
+              <a:rPr lang="de-DE" dirty="0"/>
               <a:t>5. Probleme und Lösungen (QR)</a:t>
             </a:r>
-            <a:endParaRPr lang="de-DE" dirty="0"/>
           </a:p>
         </p:txBody>
       </p:sp>
@@ -4409,7 +4891,7 @@
           <a:lstStyle/>
           <a:p>
             <a:r>
-              <a:rPr lang="de-DE" spc="-10" smtClean="0">
+              <a:rPr lang="de-DE" spc="-10">
                 <a:solidFill>
                   <a:schemeClr val="tx1">
                     <a:lumMod val="85000"/>
@@ -4431,9 +4913,9 @@
                 <a:cs typeface="Arial" panose="020B0604020202020204" pitchFamily="34" charset="0"/>
               </a:rPr>
               <a:pPr/>
-              <a:t>31. Juli 2019</a:t>
+              <a:t>1. August 2019</a:t>
             </a:fld>
-            <a:endParaRPr lang="de-DE" spc="-10" smtClean="0">
+            <a:endParaRPr lang="de-DE" spc="-10">
               <a:solidFill>
                 <a:schemeClr val="tx1">
                   <a:lumMod val="85000"/>
@@ -4493,7 +4975,7 @@
           <a:p>
             <a:pPr algn="ctr"/>
             <a:r>
-              <a:rPr lang="de-DE" sz="2400" b="0" cap="none" spc="0" dirty="0" smtClean="0">
+              <a:rPr lang="de-DE" sz="2400" b="0" cap="none" spc="0" dirty="0">
                 <a:ln w="0"/>
                 <a:solidFill>
                   <a:schemeClr val="tx1"/>
@@ -4508,19 +4990,6 @@
               </a:rPr>
               <a:t>Zunächst mit API</a:t>
             </a:r>
-            <a:endParaRPr lang="de-DE" sz="2400" b="0" cap="none" spc="0" dirty="0">
-              <a:ln w="0"/>
-              <a:solidFill>
-                <a:schemeClr val="tx1"/>
-              </a:solidFill>
-              <a:effectLst>
-                <a:outerShdw blurRad="38100" dist="19050" dir="2700000" algn="tl" rotWithShape="0">
-                  <a:schemeClr val="dk1">
-                    <a:alpha val="40000"/>
-                  </a:schemeClr>
-                </a:outerShdw>
-              </a:effectLst>
-            </a:endParaRPr>
           </a:p>
         </p:txBody>
       </p:sp>
@@ -4588,7 +5057,7 @@
           <a:p>
             <a:pPr algn="ctr"/>
             <a:r>
-              <a:rPr lang="de-DE" sz="2000" b="0" cap="none" spc="0" dirty="0" smtClean="0">
+              <a:rPr lang="de-DE" sz="2000" b="0" cap="none" spc="0" dirty="0">
                 <a:ln w="0"/>
                 <a:solidFill>
                   <a:schemeClr val="tx1"/>
@@ -4684,12 +5153,8 @@
               <a:t>api</a:t>
             </a:r>
             <a:r>
-              <a:rPr lang="de-DE" sz="800" dirty="0" smtClean="0"/>
-              <a:t>/;  </a:t>
-            </a:r>
-            <a:r>
               <a:rPr lang="de-DE" sz="800" dirty="0"/>
-              <a:t>https://i0.wp.com/gecodet.de/wp-content/uploads/2018/05/ZXING_Logo.png?fit=512%2C512</a:t>
+              <a:t>/;  https://i0.wp.com/gecodet.de/wp-content/uploads/2018/05/ZXING_Logo.png?fit=512%2C512</a:t>
             </a:r>
           </a:p>
         </p:txBody>
@@ -4704,13 +5169,13 @@
   <p:clrMapOvr>
     <a:masterClrMapping/>
   </p:clrMapOvr>
-  <mc:AlternateContent xmlns:mc="http://schemas.openxmlformats.org/markup-compatibility/2006">
-    <mc:Choice xmlns:p14="http://schemas.microsoft.com/office/powerpoint/2010/main" Requires="p14">
+  <mc:AlternateContent xmlns:mc="http://schemas.openxmlformats.org/markup-compatibility/2006" xmlns:p14="http://schemas.microsoft.com/office/powerpoint/2010/main">
+    <mc:Choice Requires="p14">
       <p:transition spd="med" p14:dur="700">
         <p:fade/>
       </p:transition>
     </mc:Choice>
-    <mc:Fallback>
+    <mc:Fallback xmlns="">
       <p:transition spd="med">
         <p:fade/>
       </p:transition>
@@ -4876,7 +5341,7 @@
 </p:sld>
 </file>
 
-<file path=ppt/slides/slide12.xml><?xml version="1.0" encoding="utf-8"?>
+<file path=ppt/slides/slide16.xml><?xml version="1.0" encoding="utf-8"?>
 <p:sld xmlns:a="http://schemas.openxmlformats.org/drawingml/2006/main" xmlns:r="http://schemas.openxmlformats.org/officeDocument/2006/relationships" xmlns:p="http://schemas.openxmlformats.org/presentationml/2006/main">
   <p:cSld>
     <p:spTree>
@@ -4914,10 +5379,9 @@
           <a:lstStyle/>
           <a:p>
             <a:r>
-              <a:rPr lang="de-DE" dirty="0" smtClean="0"/>
+              <a:rPr lang="de-DE" dirty="0"/>
               <a:t>5. Probleme und Lösungen (Profilbild)</a:t>
             </a:r>
-            <a:endParaRPr lang="de-DE" dirty="0"/>
           </a:p>
         </p:txBody>
       </p:sp>
@@ -4937,7 +5401,7 @@
           <a:lstStyle/>
           <a:p>
             <a:r>
-              <a:rPr lang="de-DE" spc="-10" smtClean="0">
+              <a:rPr lang="de-DE" spc="-10">
                 <a:solidFill>
                   <a:schemeClr val="tx1">
                     <a:lumMod val="85000"/>
@@ -4959,9 +5423,9 @@
                 <a:cs typeface="Arial" panose="020B0604020202020204" pitchFamily="34" charset="0"/>
               </a:rPr>
               <a:pPr/>
-              <a:t>31. Juli 2019</a:t>
+              <a:t>1. August 2019</a:t>
             </a:fld>
-            <a:endParaRPr lang="de-DE" spc="-10" smtClean="0">
+            <a:endParaRPr lang="de-DE" spc="-10">
               <a:solidFill>
                 <a:schemeClr val="tx1">
                   <a:lumMod val="85000"/>
@@ -5007,29 +5471,22 @@
   <p:clrMapOvr>
     <a:masterClrMapping/>
   </p:clrMapOvr>
-  <mc:AlternateContent xmlns:mc="http://schemas.openxmlformats.org/markup-compatibility/2006">
-    <mc:Choice xmlns:p14="http://schemas.microsoft.com/office/powerpoint/2010/main" Requires="p14">
+  <mc:AlternateContent xmlns:mc="http://schemas.openxmlformats.org/markup-compatibility/2006" xmlns:p14="http://schemas.microsoft.com/office/powerpoint/2010/main">
+    <mc:Choice Requires="p14">
       <p:transition spd="med" p14:dur="700">
         <p:fade/>
       </p:transition>
     </mc:Choice>
-    <mc:Fallback>
+    <mc:Fallback xmlns="">
       <p:transition spd="med">
         <p:fade/>
       </p:transition>
     </mc:Fallback>
   </mc:AlternateContent>
-  <p:timing>
-    <p:tnLst>
-      <p:par>
-        <p:cTn id="1" dur="indefinite" restart="never" nodeType="tmRoot"/>
-      </p:par>
-    </p:tnLst>
-  </p:timing>
 </p:sld>
 </file>
 
-<file path=ppt/slides/slide13.xml><?xml version="1.0" encoding="utf-8"?>
+<file path=ppt/slides/slide17.xml><?xml version="1.0" encoding="utf-8"?>
 <p:sld xmlns:a="http://schemas.openxmlformats.org/drawingml/2006/main" xmlns:r="http://schemas.openxmlformats.org/officeDocument/2006/relationships" xmlns:p="http://schemas.openxmlformats.org/presentationml/2006/main">
   <p:cSld>
     <p:spTree>
@@ -5067,10 +5524,9 @@
           <a:lstStyle/>
           <a:p>
             <a:r>
-              <a:rPr lang="de-DE" dirty="0" smtClean="0"/>
+              <a:rPr lang="de-DE" dirty="0"/>
               <a:t>5. Probleme und Lösungen (UI)</a:t>
             </a:r>
-            <a:endParaRPr lang="de-DE" dirty="0"/>
           </a:p>
         </p:txBody>
       </p:sp>
@@ -5090,7 +5546,7 @@
           <a:lstStyle/>
           <a:p>
             <a:r>
-              <a:rPr lang="de-DE" spc="-10" smtClean="0">
+              <a:rPr lang="de-DE" spc="-10">
                 <a:solidFill>
                   <a:schemeClr val="tx1">
                     <a:lumMod val="85000"/>
@@ -5112,9 +5568,9 @@
                 <a:cs typeface="Arial" panose="020B0604020202020204" pitchFamily="34" charset="0"/>
               </a:rPr>
               <a:pPr/>
-              <a:t>31. Juli 2019</a:t>
+              <a:t>1. August 2019</a:t>
             </a:fld>
-            <a:endParaRPr lang="de-DE" spc="-10" smtClean="0">
+            <a:endParaRPr lang="de-DE" spc="-10">
               <a:solidFill>
                 <a:schemeClr val="tx1">
                   <a:lumMod val="85000"/>
@@ -5268,29 +5724,22 @@
   <p:clrMapOvr>
     <a:masterClrMapping/>
   </p:clrMapOvr>
-  <mc:AlternateContent xmlns:mc="http://schemas.openxmlformats.org/markup-compatibility/2006">
-    <mc:Choice xmlns:p14="http://schemas.microsoft.com/office/powerpoint/2010/main" Requires="p14">
+  <mc:AlternateContent xmlns:mc="http://schemas.openxmlformats.org/markup-compatibility/2006" xmlns:p14="http://schemas.microsoft.com/office/powerpoint/2010/main">
+    <mc:Choice Requires="p14">
       <p:transition spd="med" p14:dur="700">
         <p:fade/>
       </p:transition>
     </mc:Choice>
-    <mc:Fallback>
+    <mc:Fallback xmlns="">
       <p:transition spd="med">
         <p:fade/>
       </p:transition>
     </mc:Fallback>
   </mc:AlternateContent>
-  <p:timing>
-    <p:tnLst>
-      <p:par>
-        <p:cTn id="1" dur="indefinite" restart="never" nodeType="tmRoot"/>
-      </p:par>
-    </p:tnLst>
-  </p:timing>
 </p:sld>
 </file>
 
-<file path=ppt/slides/slide14.xml><?xml version="1.0" encoding="utf-8"?>
+<file path=ppt/slides/slide18.xml><?xml version="1.0" encoding="utf-8"?>
 <p:sld xmlns:a="http://schemas.openxmlformats.org/drawingml/2006/main" xmlns:r="http://schemas.openxmlformats.org/officeDocument/2006/relationships" xmlns:p="http://schemas.openxmlformats.org/presentationml/2006/main">
   <p:cSld>
     <p:spTree>
@@ -5328,11 +5777,11 @@
           <a:lstStyle/>
           <a:p>
             <a:r>
-              <a:rPr lang="de-DE" dirty="0" smtClean="0"/>
+              <a:rPr lang="de-DE" dirty="0"/>
               <a:t>5. Probleme und</a:t>
             </a:r>
             <a:r>
-              <a:rPr lang="de-DE" sz="3200" dirty="0" smtClean="0">
+              <a:rPr lang="de-DE" sz="3200" dirty="0">
                 <a:solidFill>
                   <a:schemeClr val="accent6">
                     <a:lumMod val="50000"/>
@@ -5342,10 +5791,9 @@
               <a:t> </a:t>
             </a:r>
             <a:r>
-              <a:rPr lang="de-DE" dirty="0" smtClean="0"/>
+              <a:rPr lang="de-DE" dirty="0"/>
               <a:t>Lösungen</a:t>
             </a:r>
-            <a:endParaRPr lang="de-DE" dirty="0"/>
           </a:p>
         </p:txBody>
       </p:sp>
@@ -5365,7 +5813,7 @@
           <a:lstStyle/>
           <a:p>
             <a:r>
-              <a:rPr lang="de-DE" spc="-10" smtClean="0">
+              <a:rPr lang="de-DE" spc="-10">
                 <a:solidFill>
                   <a:schemeClr val="tx1">
                     <a:lumMod val="85000"/>
@@ -5387,9 +5835,9 @@
                 <a:cs typeface="Arial" panose="020B0604020202020204" pitchFamily="34" charset="0"/>
               </a:rPr>
               <a:pPr/>
-              <a:t>31. Juli 2019</a:t>
+              <a:t>1. August 2019</a:t>
             </a:fld>
-            <a:endParaRPr lang="de-DE" spc="-10" smtClean="0">
+            <a:endParaRPr lang="de-DE" spc="-10">
               <a:solidFill>
                 <a:schemeClr val="tx1">
                   <a:lumMod val="85000"/>
@@ -5470,7 +5918,7 @@
           <a:p>
             <a:pPr algn="ctr"/>
             <a:r>
-              <a:rPr lang="de-DE" sz="4000" b="1" dirty="0" smtClean="0">
+              <a:rPr lang="de-DE" sz="4000" b="1" dirty="0">
                 <a:ln w="10160">
                   <a:solidFill>
                     <a:schemeClr val="accent5"/>
@@ -5490,24 +5938,6 @@
               </a:rPr>
               <a:t>keine</a:t>
             </a:r>
-            <a:endParaRPr lang="de-DE" sz="4000" b="1" dirty="0">
-              <a:ln w="10160">
-                <a:solidFill>
-                  <a:schemeClr val="accent5"/>
-                </a:solidFill>
-                <a:prstDash val="solid"/>
-              </a:ln>
-              <a:solidFill>
-                <a:srgbClr val="FFFFFF"/>
-              </a:solidFill>
-              <a:effectLst>
-                <a:outerShdw blurRad="38100" dist="22860" dir="5400000" algn="tl" rotWithShape="0">
-                  <a:srgbClr val="000000">
-                    <a:alpha val="30000"/>
-                  </a:srgbClr>
-                </a:outerShdw>
-              </a:effectLst>
-            </a:endParaRPr>
           </a:p>
         </p:txBody>
       </p:sp>
@@ -5583,7 +6013,7 @@
           <a:p>
             <a:pPr algn="ctr"/>
             <a:r>
-              <a:rPr lang="de-DE" sz="2400" dirty="0" smtClean="0">
+              <a:rPr lang="de-DE" sz="2400" dirty="0">
                 <a:ln w="0"/>
                 <a:effectLst>
                   <a:outerShdw blurRad="38100" dist="19050" dir="2700000" algn="tl" rotWithShape="0">
@@ -5659,7 +6089,7 @@
           <a:p>
             <a:pPr algn="ctr"/>
             <a:r>
-              <a:rPr lang="de-DE" sz="2400" dirty="0" err="1" smtClean="0">
+              <a:rPr lang="de-DE" sz="2400" dirty="0" err="1">
                 <a:ln w="0"/>
                 <a:effectLst>
                   <a:outerShdw blurRad="38100" dist="19050" dir="2700000" algn="tl" rotWithShape="0">
@@ -5721,13 +6151,13 @@
   <p:clrMapOvr>
     <a:masterClrMapping/>
   </p:clrMapOvr>
-  <mc:AlternateContent xmlns:mc="http://schemas.openxmlformats.org/markup-compatibility/2006">
-    <mc:Choice xmlns:p14="http://schemas.microsoft.com/office/powerpoint/2010/main" Requires="p14">
+  <mc:AlternateContent xmlns:mc="http://schemas.openxmlformats.org/markup-compatibility/2006" xmlns:p14="http://schemas.microsoft.com/office/powerpoint/2010/main">
+    <mc:Choice Requires="p14">
       <p:transition spd="med" p14:dur="700">
         <p:fade/>
       </p:transition>
     </mc:Choice>
-    <mc:Fallback>
+    <mc:Fallback xmlns="">
       <p:transition spd="med">
         <p:fade/>
       </p:transition>
@@ -6034,7 +6464,7 @@
 </p:sld>
 </file>
 
-<file path=ppt/slides/slide15.xml><?xml version="1.0" encoding="utf-8"?>
+<file path=ppt/slides/slide19.xml><?xml version="1.0" encoding="utf-8"?>
 <p:sld xmlns:a="http://schemas.openxmlformats.org/drawingml/2006/main" xmlns:r="http://schemas.openxmlformats.org/officeDocument/2006/relationships" xmlns:p="http://schemas.openxmlformats.org/presentationml/2006/main">
   <p:cSld>
     <p:spTree>
@@ -6072,11 +6502,11 @@
           <a:lstStyle/>
           <a:p>
             <a:r>
-              <a:rPr lang="de-DE" dirty="0" smtClean="0"/>
+              <a:rPr lang="de-DE" dirty="0"/>
               <a:t>5. Probleme und</a:t>
             </a:r>
             <a:r>
-              <a:rPr lang="de-DE" sz="3200" dirty="0" smtClean="0">
+              <a:rPr lang="de-DE" sz="3200" dirty="0">
                 <a:solidFill>
                   <a:schemeClr val="accent6">
                     <a:lumMod val="50000"/>
@@ -6086,10 +6516,9 @@
               <a:t> </a:t>
             </a:r>
             <a:r>
-              <a:rPr lang="de-DE" dirty="0" smtClean="0"/>
+              <a:rPr lang="de-DE" dirty="0"/>
               <a:t>Lösungen</a:t>
             </a:r>
-            <a:endParaRPr lang="de-DE" dirty="0"/>
           </a:p>
         </p:txBody>
       </p:sp>
@@ -6109,7 +6538,7 @@
           <a:lstStyle/>
           <a:p>
             <a:r>
-              <a:rPr lang="de-DE" spc="-10" smtClean="0">
+              <a:rPr lang="de-DE" spc="-10">
                 <a:solidFill>
                   <a:schemeClr val="tx1">
                     <a:lumMod val="85000"/>
@@ -6131,9 +6560,9 @@
                 <a:cs typeface="Arial" panose="020B0604020202020204" pitchFamily="34" charset="0"/>
               </a:rPr>
               <a:pPr/>
-              <a:t>31. Juli 2019</a:t>
+              <a:t>1. August 2019</a:t>
             </a:fld>
-            <a:endParaRPr lang="de-DE" spc="-10" smtClean="0">
+            <a:endParaRPr lang="de-DE" spc="-10">
               <a:solidFill>
                 <a:schemeClr val="tx1">
                   <a:lumMod val="85000"/>
@@ -6214,7 +6643,7 @@
           <a:p>
             <a:pPr algn="ctr"/>
             <a:r>
-              <a:rPr lang="de-DE" sz="4000" b="1" dirty="0" smtClean="0">
+              <a:rPr lang="de-DE" sz="4000" b="1" dirty="0">
                 <a:ln w="10160">
                   <a:solidFill>
                     <a:schemeClr val="accent5"/>
@@ -6234,24 +6663,6 @@
               </a:rPr>
               <a:t>keine</a:t>
             </a:r>
-            <a:endParaRPr lang="de-DE" sz="4000" b="1" dirty="0">
-              <a:ln w="10160">
-                <a:solidFill>
-                  <a:schemeClr val="accent5"/>
-                </a:solidFill>
-                <a:prstDash val="solid"/>
-              </a:ln>
-              <a:solidFill>
-                <a:srgbClr val="FFFFFF"/>
-              </a:solidFill>
-              <a:effectLst>
-                <a:outerShdw blurRad="38100" dist="22860" dir="5400000" algn="tl" rotWithShape="0">
-                  <a:srgbClr val="000000">
-                    <a:alpha val="30000"/>
-                  </a:srgbClr>
-                </a:outerShdw>
-              </a:effectLst>
-            </a:endParaRPr>
           </a:p>
         </p:txBody>
       </p:sp>
@@ -6327,7 +6738,7 @@
           <a:p>
             <a:pPr algn="ctr"/>
             <a:r>
-              <a:rPr lang="de-DE" sz="2400" dirty="0" smtClean="0">
+              <a:rPr lang="de-DE" sz="2400" dirty="0">
                 <a:ln w="0"/>
                 <a:effectLst>
                   <a:outerShdw blurRad="38100" dist="19050" dir="2700000" algn="tl" rotWithShape="0">
@@ -6403,7 +6814,7 @@
           <a:p>
             <a:pPr algn="ctr"/>
             <a:r>
-              <a:rPr lang="de-DE" sz="2400" dirty="0" err="1" smtClean="0">
+              <a:rPr lang="de-DE" sz="2400" dirty="0" err="1">
                 <a:ln w="0"/>
                 <a:effectLst>
                   <a:outerShdw blurRad="38100" dist="19050" dir="2700000" algn="tl" rotWithShape="0">
@@ -6502,12 +6913,8 @@
           <a:lstStyle/>
           <a:p>
             <a:r>
-              <a:rPr lang="de-DE" sz="800" dirty="0" smtClean="0"/>
-              <a:t>Quelle: https</a:t>
-            </a:r>
-            <a:r>
               <a:rPr lang="de-DE" sz="800" dirty="0"/>
-              <a:t>://memegenerator.net/instance/80730799/noob-kid-well-at-least-we-tried</a:t>
+              <a:t>Quelle: https://memegenerator.net/instance/80730799/noob-kid-well-at-least-we-tried</a:t>
             </a:r>
           </a:p>
         </p:txBody>
@@ -6522,29 +6929,208 @@
   <p:clrMapOvr>
     <a:masterClrMapping/>
   </p:clrMapOvr>
-  <mc:AlternateContent xmlns:mc="http://schemas.openxmlformats.org/markup-compatibility/2006">
-    <mc:Choice xmlns:p14="http://schemas.microsoft.com/office/powerpoint/2010/main" Requires="p14">
+  <mc:AlternateContent xmlns:mc="http://schemas.openxmlformats.org/markup-compatibility/2006" xmlns:p14="http://schemas.microsoft.com/office/powerpoint/2010/main">
+    <mc:Choice Requires="p14">
       <p:transition spd="med" p14:dur="700">
         <p:fade/>
       </p:transition>
     </mc:Choice>
-    <mc:Fallback>
+    <mc:Fallback xmlns="">
       <p:transition spd="med">
         <p:fade/>
       </p:transition>
     </mc:Fallback>
   </mc:AlternateContent>
-  <p:timing>
-    <p:tnLst>
-      <p:par>
-        <p:cTn id="1" dur="indefinite" restart="never" nodeType="tmRoot"/>
-      </p:par>
-    </p:tnLst>
-  </p:timing>
 </p:sld>
 </file>
 
-<file path=ppt/slides/slide16.xml><?xml version="1.0" encoding="utf-8"?>
+<file path=ppt/slides/slide2.xml><?xml version="1.0" encoding="utf-8"?>
+<p:sld xmlns:a="http://schemas.openxmlformats.org/drawingml/2006/main" xmlns:r="http://schemas.openxmlformats.org/officeDocument/2006/relationships" xmlns:p="http://schemas.openxmlformats.org/presentationml/2006/main">
+  <p:cSld>
+    <p:spTree>
+      <p:nvGrpSpPr>
+        <p:cNvPr id="1" name=""/>
+        <p:cNvGrpSpPr/>
+        <p:nvPr/>
+      </p:nvGrpSpPr>
+      <p:grpSpPr>
+        <a:xfrm>
+          <a:off x="0" y="0"/>
+          <a:ext cx="0" cy="0"/>
+          <a:chOff x="0" y="0"/>
+          <a:chExt cx="0" cy="0"/>
+        </a:xfrm>
+      </p:grpSpPr>
+      <p:sp>
+        <p:nvSpPr>
+          <p:cNvPr id="2" name="Titel 1"/>
+          <p:cNvSpPr>
+            <a:spLocks noGrp="1"/>
+          </p:cNvSpPr>
+          <p:nvPr>
+            <p:ph type="title"/>
+          </p:nvPr>
+        </p:nvSpPr>
+        <p:spPr/>
+        <p:txBody>
+          <a:bodyPr/>
+          <a:lstStyle/>
+          <a:p>
+            <a:r>
+              <a:rPr lang="de-DE" dirty="0"/>
+              <a:t>Inhalt</a:t>
+            </a:r>
+          </a:p>
+        </p:txBody>
+      </p:sp>
+      <p:sp>
+        <p:nvSpPr>
+          <p:cNvPr id="3" name="Inhaltsplatzhalter 2"/>
+          <p:cNvSpPr>
+            <a:spLocks noGrp="1"/>
+          </p:cNvSpPr>
+          <p:nvPr>
+            <p:ph idx="1"/>
+          </p:nvPr>
+        </p:nvSpPr>
+        <p:spPr/>
+        <p:txBody>
+          <a:bodyPr/>
+          <a:lstStyle/>
+          <a:p>
+            <a:pPr marL="342900" indent="-342900">
+              <a:buFont typeface="+mj-lt"/>
+              <a:buAutoNum type="arabicPeriod"/>
+            </a:pPr>
+            <a:r>
+              <a:rPr lang="de-DE" sz="1800" dirty="0"/>
+              <a:t>Idee</a:t>
+            </a:r>
+          </a:p>
+          <a:p>
+            <a:pPr marL="342900" indent="-342900">
+              <a:buFont typeface="+mj-lt"/>
+              <a:buAutoNum type="arabicPeriod"/>
+            </a:pPr>
+            <a:r>
+              <a:rPr lang="de-DE" sz="1800" dirty="0"/>
+              <a:t>Features</a:t>
+            </a:r>
+          </a:p>
+          <a:p>
+            <a:pPr marL="342900" indent="-342900">
+              <a:buFont typeface="+mj-lt"/>
+              <a:buAutoNum type="arabicPeriod"/>
+            </a:pPr>
+            <a:r>
+              <a:rPr lang="de-DE" sz="1800" dirty="0"/>
+              <a:t>Architektur</a:t>
+            </a:r>
+          </a:p>
+          <a:p>
+            <a:pPr marL="342900" indent="-342900">
+              <a:buFont typeface="+mj-lt"/>
+              <a:buAutoNum type="arabicPeriod"/>
+            </a:pPr>
+            <a:r>
+              <a:rPr lang="de-DE" sz="1800" dirty="0"/>
+              <a:t>Umsetzung im Code</a:t>
+            </a:r>
+          </a:p>
+          <a:p>
+            <a:pPr marL="342900" indent="-342900">
+              <a:buFont typeface="+mj-lt"/>
+              <a:buAutoNum type="arabicPeriod"/>
+            </a:pPr>
+            <a:r>
+              <a:rPr lang="de-DE" sz="1800" dirty="0"/>
+              <a:t>Probleme und Lösungen</a:t>
+            </a:r>
+          </a:p>
+          <a:p>
+            <a:pPr marL="342900" indent="-342900">
+              <a:buFont typeface="+mj-lt"/>
+              <a:buAutoNum type="arabicPeriod"/>
+            </a:pPr>
+            <a:r>
+              <a:rPr lang="de-DE" sz="1800" dirty="0"/>
+              <a:t>Demo</a:t>
+            </a:r>
+          </a:p>
+          <a:p>
+            <a:endParaRPr lang="de-DE" dirty="0"/>
+          </a:p>
+        </p:txBody>
+      </p:sp>
+      <p:sp>
+        <p:nvSpPr>
+          <p:cNvPr id="4" name="Fußzeilenplatzhalter 3"/>
+          <p:cNvSpPr>
+            <a:spLocks noGrp="1"/>
+          </p:cNvSpPr>
+          <p:nvPr>
+            <p:ph type="ftr" sz="quarter" idx="10"/>
+          </p:nvPr>
+        </p:nvSpPr>
+        <p:spPr/>
+        <p:txBody>
+          <a:bodyPr/>
+          <a:lstStyle/>
+          <a:p>
+            <a:r>
+              <a:rPr lang="de-DE" spc="-10">
+                <a:solidFill>
+                  <a:schemeClr val="tx1">
+                    <a:lumMod val="85000"/>
+                    <a:lumOff val="15000"/>
+                  </a:schemeClr>
+                </a:solidFill>
+                <a:cs typeface="Arial" panose="020B0604020202020204" pitchFamily="34" charset="0"/>
+              </a:rPr>
+              <a:t>© Hochschule Kaiserslautern  //  Zweibrücken, </a:t>
+            </a:r>
+            <a:fld id="{3474FE31-354C-4967-80E7-6852960E7BBF}" type="datetime4">
+              <a:rPr lang="de-DE" spc="-10" smtClean="0">
+                <a:solidFill>
+                  <a:schemeClr val="tx1">
+                    <a:lumMod val="85000"/>
+                    <a:lumOff val="15000"/>
+                  </a:schemeClr>
+                </a:solidFill>
+                <a:cs typeface="Arial" panose="020B0604020202020204" pitchFamily="34" charset="0"/>
+              </a:rPr>
+              <a:pPr/>
+              <a:t>1. August 2019</a:t>
+            </a:fld>
+            <a:endParaRPr lang="de-DE" spc="-10">
+              <a:solidFill>
+                <a:schemeClr val="tx1">
+                  <a:lumMod val="85000"/>
+                  <a:lumOff val="15000"/>
+                </a:schemeClr>
+              </a:solidFill>
+              <a:cs typeface="Arial" panose="020B0604020202020204" pitchFamily="34" charset="0"/>
+            </a:endParaRPr>
+          </a:p>
+        </p:txBody>
+      </p:sp>
+    </p:spTree>
+    <p:extLst>
+      <p:ext uri="{BB962C8B-B14F-4D97-AF65-F5344CB8AC3E}">
+        <p14:creationId xmlns:p14="http://schemas.microsoft.com/office/powerpoint/2010/main" val="3581052547"/>
+      </p:ext>
+    </p:extLst>
+  </p:cSld>
+  <p:clrMapOvr>
+    <a:masterClrMapping/>
+  </p:clrMapOvr>
+  <p:transition spd="slow">
+    <p:cover/>
+  </p:transition>
+</p:sld>
+</file>
+
+<file path=ppt/slides/slide20.xml><?xml version="1.0" encoding="utf-8"?>
 <p:sld xmlns:a="http://schemas.openxmlformats.org/drawingml/2006/main" xmlns:r="http://schemas.openxmlformats.org/officeDocument/2006/relationships" xmlns:p="http://schemas.openxmlformats.org/presentationml/2006/main">
   <p:cSld>
     <p:spTree>
@@ -6577,7 +7163,7 @@
           <a:lstStyle/>
           <a:p>
             <a:r>
-              <a:rPr lang="de-DE" spc="-10" smtClean="0">
+              <a:rPr lang="de-DE" spc="-10">
                 <a:solidFill>
                   <a:schemeClr val="tx1">
                     <a:lumMod val="85000"/>
@@ -6599,9 +7185,9 @@
                 <a:cs typeface="Arial" panose="020B0604020202020204" pitchFamily="34" charset="0"/>
               </a:rPr>
               <a:pPr/>
-              <a:t>31. Juli 2019</a:t>
+              <a:t>1. August 2019</a:t>
             </a:fld>
-            <a:endParaRPr lang="de-DE" spc="-10" smtClean="0">
+            <a:endParaRPr lang="de-DE" spc="-10">
               <a:solidFill>
                 <a:schemeClr val="tx1">
                   <a:lumMod val="85000"/>
@@ -6650,7 +7236,7 @@
           <a:p>
             <a:pPr algn="ctr"/>
             <a:r>
-              <a:rPr lang="de-DE" sz="4000" dirty="0" smtClean="0">
+              <a:rPr lang="de-DE" sz="4000" dirty="0">
                 <a:ln w="0"/>
                 <a:solidFill>
                   <a:schemeClr val="tx1"/>
@@ -6665,19 +7251,6 @@
               </a:rPr>
               <a:t>6. Demo</a:t>
             </a:r>
-            <a:endParaRPr lang="de-DE" sz="4000" dirty="0">
-              <a:ln w="0"/>
-              <a:solidFill>
-                <a:schemeClr val="tx1"/>
-              </a:solidFill>
-              <a:effectLst>
-                <a:outerShdw blurRad="38100" dist="19050" dir="2700000" algn="tl" rotWithShape="0">
-                  <a:schemeClr val="dk1">
-                    <a:alpha val="40000"/>
-                  </a:schemeClr>
-                </a:outerShdw>
-              </a:effectLst>
-            </a:endParaRPr>
           </a:p>
         </p:txBody>
       </p:sp>
@@ -6694,17 +7267,10 @@
   <p:transition spd="slow">
     <p:cover/>
   </p:transition>
-  <p:timing>
-    <p:tnLst>
-      <p:par>
-        <p:cTn id="1" dur="indefinite" restart="never" nodeType="tmRoot"/>
-      </p:par>
-    </p:tnLst>
-  </p:timing>
 </p:sld>
 </file>
 
-<file path=ppt/slides/slide17.xml><?xml version="1.0" encoding="utf-8"?>
+<file path=ppt/slides/slide21.xml><?xml version="1.0" encoding="utf-8"?>
 <p:sld xmlns:a="http://schemas.openxmlformats.org/drawingml/2006/main" xmlns:r="http://schemas.openxmlformats.org/officeDocument/2006/relationships" xmlns:p="http://schemas.openxmlformats.org/presentationml/2006/main">
   <p:cSld>
     <p:spTree>
@@ -6737,10 +7303,9 @@
           <a:lstStyle/>
           <a:p>
             <a:r>
-              <a:rPr lang="de-DE" smtClean="0"/>
+              <a:rPr lang="de-DE"/>
               <a:t>©</a:t>
             </a:r>
-            <a:endParaRPr lang="de-DE"/>
           </a:p>
         </p:txBody>
       </p:sp>
@@ -6769,46 +7334,21 @@
             <a:pPr algn="l"/>
             <a:r>
               <a:rPr lang="de-DE" dirty="0"/>
-              <a:t>© </a:t>
-            </a:r>
-            <a:r>
-              <a:rPr lang="de-DE" dirty="0" smtClean="0"/>
-              <a:t>Anatoli Schäfer, Marc Zintel. </a:t>
-            </a:r>
-            <a:r>
-              <a:rPr lang="de-DE" dirty="0"/>
-              <a:t/>
+              <a:t>© Anatoli Schäfer, Marc Zintel. </a:t>
             </a:r>
             <a:br>
               <a:rPr lang="de-DE" dirty="0"/>
             </a:br>
             <a:r>
-              <a:rPr lang="de-DE" dirty="0" smtClean="0"/>
-              <a:t>Email</a:t>
-            </a:r>
-            <a:r>
               <a:rPr lang="de-DE" dirty="0"/>
-              <a:t>: </a:t>
-            </a:r>
-            <a:r>
-              <a:rPr lang="de-DE" dirty="0" smtClean="0"/>
-              <a:t>mazi0018@stud.hs-kl.de</a:t>
-            </a:r>
-            <a:endParaRPr lang="de-DE" dirty="0"/>
+              <a:t>Email: mazi0018@stud.hs-kl.de</a:t>
+            </a:r>
           </a:p>
           <a:p>
             <a:pPr algn="l"/>
             <a:r>
               <a:rPr lang="de-DE" dirty="0"/>
-              <a:t>Mobile Anwendungen mit Android</a:t>
-            </a:r>
-            <a:r>
-              <a:rPr lang="de-DE" dirty="0" smtClean="0"/>
-              <a:t>. Master Informatik. </a:t>
-            </a:r>
-            <a:r>
-              <a:rPr lang="de-DE" dirty="0" smtClean="0"/>
-              <a:t>Professor </a:t>
+              <a:t>Mobile Anwendungen mit Android. Master Informatik. Professor </a:t>
             </a:r>
             <a:r>
               <a:rPr lang="de-DE" dirty="0" err="1"/>
@@ -6816,27 +7356,14 @@
             </a:r>
             <a:r>
               <a:rPr lang="de-DE" dirty="0"/>
-              <a:t> Tien Tran</a:t>
-            </a:r>
-            <a:r>
-              <a:rPr lang="de-DE" dirty="0" smtClean="0"/>
-              <a:t>. </a:t>
-            </a:r>
+              <a:t> Tien Tran. Hochschule Kaiserslautern, </a:t>
+            </a:r>
+          </a:p>
+          <a:p>
+            <a:pPr algn="l"/>
             <a:r>
               <a:rPr lang="de-DE" dirty="0"/>
-              <a:t>Hochschule Kaiserslautern, </a:t>
-            </a:r>
-            <a:endParaRPr lang="de-DE" dirty="0" smtClean="0"/>
-          </a:p>
-          <a:p>
-            <a:pPr algn="l"/>
-            <a:r>
-              <a:rPr lang="de-DE" dirty="0" smtClean="0"/>
-              <a:t>Die </a:t>
-            </a:r>
-            <a:r>
-              <a:rPr lang="de-DE" dirty="0"/>
-              <a:t>Hochschule Kaiserslautern ist eine Körperschaft des Öffentlichen Rechts. Sie wird durch den Präsidenten Prof. Dr. Konrad Wolf gesetzlich vertreten.</a:t>
+              <a:t>Die Hochschule Kaiserslautern ist eine Körperschaft des Öffentlichen Rechts. Sie wird durch den Präsidenten Prof. Dr. Konrad Wolf gesetzlich vertreten.</a:t>
             </a:r>
           </a:p>
           <a:p>
@@ -6864,7 +7391,7 @@
           <a:lstStyle/>
           <a:p>
             <a:r>
-              <a:rPr lang="de-DE" spc="-10" smtClean="0">
+              <a:rPr lang="de-DE" spc="-10">
                 <a:solidFill>
                   <a:schemeClr val="tx1">
                     <a:lumMod val="85000"/>
@@ -6886,9 +7413,9 @@
                 <a:cs typeface="Arial" panose="020B0604020202020204" pitchFamily="34" charset="0"/>
               </a:rPr>
               <a:pPr/>
-              <a:t>31. Juli 2019</a:t>
+              <a:t>1. August 2019</a:t>
             </a:fld>
-            <a:endParaRPr lang="de-DE" spc="-10" smtClean="0">
+            <a:endParaRPr lang="de-DE" spc="-10">
               <a:solidFill>
                 <a:schemeClr val="tx1">
                   <a:lumMod val="85000"/>
@@ -6913,209 +7440,6 @@
   <p:transition spd="slow">
     <p:cover/>
   </p:transition>
-  <p:timing>
-    <p:tnLst>
-      <p:par>
-        <p:cTn id="1" dur="indefinite" restart="never" nodeType="tmRoot"/>
-      </p:par>
-    </p:tnLst>
-  </p:timing>
-</p:sld>
-</file>
-
-<file path=ppt/slides/slide2.xml><?xml version="1.0" encoding="utf-8"?>
-<p:sld xmlns:a="http://schemas.openxmlformats.org/drawingml/2006/main" xmlns:r="http://schemas.openxmlformats.org/officeDocument/2006/relationships" xmlns:p="http://schemas.openxmlformats.org/presentationml/2006/main">
-  <p:cSld>
-    <p:spTree>
-      <p:nvGrpSpPr>
-        <p:cNvPr id="1" name=""/>
-        <p:cNvGrpSpPr/>
-        <p:nvPr/>
-      </p:nvGrpSpPr>
-      <p:grpSpPr>
-        <a:xfrm>
-          <a:off x="0" y="0"/>
-          <a:ext cx="0" cy="0"/>
-          <a:chOff x="0" y="0"/>
-          <a:chExt cx="0" cy="0"/>
-        </a:xfrm>
-      </p:grpSpPr>
-      <p:sp>
-        <p:nvSpPr>
-          <p:cNvPr id="2" name="Titel 1"/>
-          <p:cNvSpPr>
-            <a:spLocks noGrp="1"/>
-          </p:cNvSpPr>
-          <p:nvPr>
-            <p:ph type="title"/>
-          </p:nvPr>
-        </p:nvSpPr>
-        <p:spPr/>
-        <p:txBody>
-          <a:bodyPr/>
-          <a:lstStyle/>
-          <a:p>
-            <a:r>
-              <a:rPr lang="de-DE" dirty="0" smtClean="0"/>
-              <a:t>Inhalt</a:t>
-            </a:r>
-            <a:endParaRPr lang="de-DE" dirty="0"/>
-          </a:p>
-        </p:txBody>
-      </p:sp>
-      <p:sp>
-        <p:nvSpPr>
-          <p:cNvPr id="3" name="Inhaltsplatzhalter 2"/>
-          <p:cNvSpPr>
-            <a:spLocks noGrp="1"/>
-          </p:cNvSpPr>
-          <p:nvPr>
-            <p:ph idx="1"/>
-          </p:nvPr>
-        </p:nvSpPr>
-        <p:spPr/>
-        <p:txBody>
-          <a:bodyPr/>
-          <a:lstStyle/>
-          <a:p>
-            <a:pPr marL="342900" indent="-342900">
-              <a:buFont typeface="+mj-lt"/>
-              <a:buAutoNum type="arabicPeriod"/>
-            </a:pPr>
-            <a:r>
-              <a:rPr lang="de-DE" sz="1800" dirty="0" smtClean="0"/>
-              <a:t>Idee</a:t>
-            </a:r>
-          </a:p>
-          <a:p>
-            <a:pPr marL="342900" indent="-342900">
-              <a:buFont typeface="+mj-lt"/>
-              <a:buAutoNum type="arabicPeriod"/>
-            </a:pPr>
-            <a:r>
-              <a:rPr lang="de-DE" sz="1800" dirty="0" smtClean="0"/>
-              <a:t>Features</a:t>
-            </a:r>
-          </a:p>
-          <a:p>
-            <a:pPr marL="342900" indent="-342900">
-              <a:buFont typeface="+mj-lt"/>
-              <a:buAutoNum type="arabicPeriod"/>
-            </a:pPr>
-            <a:r>
-              <a:rPr lang="de-DE" sz="1800" dirty="0" smtClean="0"/>
-              <a:t>Architektur</a:t>
-            </a:r>
-            <a:endParaRPr lang="de-DE" sz="1800" dirty="0" smtClean="0"/>
-          </a:p>
-          <a:p>
-            <a:pPr marL="342900" indent="-342900">
-              <a:buFont typeface="+mj-lt"/>
-              <a:buAutoNum type="arabicPeriod"/>
-            </a:pPr>
-            <a:r>
-              <a:rPr lang="de-DE" sz="1800" dirty="0" smtClean="0"/>
-              <a:t>Umsetzung im Code</a:t>
-            </a:r>
-          </a:p>
-          <a:p>
-            <a:pPr marL="342900" indent="-342900">
-              <a:buFont typeface="+mj-lt"/>
-              <a:buAutoNum type="arabicPeriod"/>
-            </a:pPr>
-            <a:r>
-              <a:rPr lang="de-DE" sz="1800" dirty="0" smtClean="0"/>
-              <a:t>Probleme und Lösungen</a:t>
-            </a:r>
-          </a:p>
-          <a:p>
-            <a:pPr marL="342900" indent="-342900">
-              <a:buFont typeface="+mj-lt"/>
-              <a:buAutoNum type="arabicPeriod"/>
-            </a:pPr>
-            <a:r>
-              <a:rPr lang="de-DE" sz="1800" dirty="0" smtClean="0"/>
-              <a:t>Demo</a:t>
-            </a:r>
-            <a:endParaRPr lang="de-DE" sz="1800" dirty="0"/>
-          </a:p>
-          <a:p>
-            <a:endParaRPr lang="de-DE" dirty="0"/>
-          </a:p>
-        </p:txBody>
-      </p:sp>
-      <p:sp>
-        <p:nvSpPr>
-          <p:cNvPr id="4" name="Fußzeilenplatzhalter 3"/>
-          <p:cNvSpPr>
-            <a:spLocks noGrp="1"/>
-          </p:cNvSpPr>
-          <p:nvPr>
-            <p:ph type="ftr" sz="quarter" idx="10"/>
-          </p:nvPr>
-        </p:nvSpPr>
-        <p:spPr/>
-        <p:txBody>
-          <a:bodyPr/>
-          <a:lstStyle/>
-          <a:p>
-            <a:r>
-              <a:rPr lang="de-DE" spc="-10" smtClean="0">
-                <a:solidFill>
-                  <a:schemeClr val="tx1">
-                    <a:lumMod val="85000"/>
-                    <a:lumOff val="15000"/>
-                  </a:schemeClr>
-                </a:solidFill>
-                <a:cs typeface="Arial" panose="020B0604020202020204" pitchFamily="34" charset="0"/>
-              </a:rPr>
-              <a:t>© Hochschule Kaiserslautern  //  Zweibrücken, </a:t>
-            </a:r>
-            <a:fld id="{3474FE31-354C-4967-80E7-6852960E7BBF}" type="datetime4">
-              <a:rPr lang="de-DE" spc="-10" smtClean="0">
-                <a:solidFill>
-                  <a:schemeClr val="tx1">
-                    <a:lumMod val="85000"/>
-                    <a:lumOff val="15000"/>
-                  </a:schemeClr>
-                </a:solidFill>
-                <a:cs typeface="Arial" panose="020B0604020202020204" pitchFamily="34" charset="0"/>
-              </a:rPr>
-              <a:pPr/>
-              <a:t>31. Juli 2019</a:t>
-            </a:fld>
-            <a:endParaRPr lang="de-DE" spc="-10" smtClean="0">
-              <a:solidFill>
-                <a:schemeClr val="tx1">
-                  <a:lumMod val="85000"/>
-                  <a:lumOff val="15000"/>
-                </a:schemeClr>
-              </a:solidFill>
-              <a:cs typeface="Arial" panose="020B0604020202020204" pitchFamily="34" charset="0"/>
-            </a:endParaRPr>
-          </a:p>
-        </p:txBody>
-      </p:sp>
-    </p:spTree>
-    <p:extLst>
-      <p:ext uri="{BB962C8B-B14F-4D97-AF65-F5344CB8AC3E}">
-        <p14:creationId xmlns:p14="http://schemas.microsoft.com/office/powerpoint/2010/main" val="3581052547"/>
-      </p:ext>
-    </p:extLst>
-  </p:cSld>
-  <p:clrMapOvr>
-    <a:masterClrMapping/>
-  </p:clrMapOvr>
-  <p:transition spd="slow">
-    <p:cover/>
-  </p:transition>
-  <p:timing>
-    <p:tnLst>
-      <p:par>
-        <p:cTn id="1" dur="indefinite" restart="never" nodeType="tmRoot"/>
-      </p:par>
-    </p:tnLst>
-  </p:timing>
 </p:sld>
 </file>
 
@@ -7152,10 +7476,9 @@
           <a:lstStyle/>
           <a:p>
             <a:r>
-              <a:rPr lang="de-DE" dirty="0" smtClean="0"/>
+              <a:rPr lang="de-DE" dirty="0"/>
               <a:t>1. Idee </a:t>
             </a:r>
-            <a:endParaRPr lang="de-DE" dirty="0"/>
           </a:p>
         </p:txBody>
       </p:sp>
@@ -7175,27 +7498,19 @@
           <a:lstStyle/>
           <a:p>
             <a:r>
-              <a:rPr lang="de-DE" dirty="0" smtClean="0"/>
-              <a:t>Kontakt-</a:t>
-            </a:r>
-            <a:r>
               <a:rPr lang="de-DE" dirty="0"/>
-              <a:t>A</a:t>
-            </a:r>
-            <a:r>
-              <a:rPr lang="de-DE" dirty="0" smtClean="0"/>
-              <a:t>pp ohne Cloud-Speicher</a:t>
-            </a:r>
-          </a:p>
-          <a:p>
-            <a:r>
-              <a:rPr lang="de-DE" dirty="0" smtClean="0"/>
+              <a:t>Kontakt-App ohne Cloud-Speicher</a:t>
+            </a:r>
+          </a:p>
+          <a:p>
+            <a:r>
+              <a:rPr lang="de-DE" dirty="0"/>
               <a:t>Lokale Datenbank</a:t>
             </a:r>
           </a:p>
           <a:p>
             <a:r>
-              <a:rPr lang="de-DE" dirty="0" smtClean="0"/>
+              <a:rPr lang="de-DE" dirty="0"/>
               <a:t>Optisch ansprechendes Design</a:t>
             </a:r>
           </a:p>
@@ -7217,7 +7532,7 @@
           <a:lstStyle/>
           <a:p>
             <a:r>
-              <a:rPr lang="de-DE" spc="-10" smtClean="0">
+              <a:rPr lang="de-DE" spc="-10">
                 <a:solidFill>
                   <a:schemeClr val="tx1">
                     <a:lumMod val="85000"/>
@@ -7239,9 +7554,9 @@
                 <a:cs typeface="Arial" panose="020B0604020202020204" pitchFamily="34" charset="0"/>
               </a:rPr>
               <a:pPr/>
-              <a:t>31. Juli 2019</a:t>
+              <a:t>1. August 2019</a:t>
             </a:fld>
-            <a:endParaRPr lang="de-DE" spc="-10" smtClean="0">
+            <a:endParaRPr lang="de-DE" spc="-10">
               <a:solidFill>
                 <a:schemeClr val="tx1">
                   <a:lumMod val="85000"/>
@@ -7361,7 +7676,7 @@
           <a:p>
             <a:pPr algn="ctr"/>
             <a:r>
-              <a:rPr lang="de-DE" sz="1600" b="0" cap="none" spc="0" dirty="0" smtClean="0">
+              <a:rPr lang="de-DE" sz="1600" b="0" cap="none" spc="0" dirty="0">
                 <a:ln w="0"/>
                 <a:solidFill>
                   <a:schemeClr val="tx1"/>
@@ -7377,7 +7692,7 @@
               <a:t>Google </a:t>
             </a:r>
             <a:r>
-              <a:rPr lang="de-DE" sz="1600" b="0" cap="none" spc="0" dirty="0" err="1" smtClean="0">
+              <a:rPr lang="de-DE" sz="1600" b="0" cap="none" spc="0" dirty="0" err="1">
                 <a:ln w="0"/>
                 <a:solidFill>
                   <a:schemeClr val="tx1"/>
@@ -7432,7 +7747,7 @@
           <a:p>
             <a:pPr algn="ctr"/>
             <a:r>
-              <a:rPr lang="de-DE" sz="1600" b="0" cap="none" spc="0" dirty="0" smtClean="0">
+              <a:rPr lang="de-DE" sz="1600" b="0" cap="none" spc="0" dirty="0">
                 <a:ln w="0"/>
                 <a:solidFill>
                   <a:schemeClr val="tx1"/>
@@ -7448,7 +7763,7 @@
               <a:t>Samsung </a:t>
             </a:r>
             <a:r>
-              <a:rPr lang="de-DE" sz="1600" b="0" cap="none" spc="0" dirty="0" err="1" smtClean="0">
+              <a:rPr lang="de-DE" sz="1600" b="0" cap="none" spc="0" dirty="0" err="1">
                 <a:ln w="0"/>
                 <a:solidFill>
                   <a:schemeClr val="tx1"/>
@@ -7503,7 +7818,7 @@
           <a:p>
             <a:pPr algn="ctr"/>
             <a:r>
-              <a:rPr lang="de-DE" sz="1600" b="0" cap="none" spc="0" dirty="0" err="1" smtClean="0">
+              <a:rPr lang="de-DE" sz="1600" b="0" cap="none" spc="0" dirty="0" err="1">
                 <a:ln w="0"/>
                 <a:solidFill>
                   <a:schemeClr val="tx1"/>
@@ -7654,35 +7969,14 @@
           <a:p>
             <a:r>
               <a:rPr lang="de-DE" sz="800" dirty="0"/>
-              <a:t>Quellen: https://</a:t>
-            </a:r>
-            <a:r>
-              <a:rPr lang="de-DE" sz="800" dirty="0" smtClean="0"/>
-              <a:t>www.apkmirror.com/wp-content/uploads/2018/10/5bcee32dbdc95-384x384.png</a:t>
-            </a:r>
+              <a:t>Quellen: https://www.apkmirror.com/wp-content/uploads/2018/10/5bcee32dbdc95-384x384.png;                        https://de.wikipedia.org/wiki/Google_Kontakte</a:t>
+            </a:r>
+          </a:p>
+          <a:p>
             <a:r>
               <a:rPr lang="de-DE" sz="800" dirty="0"/>
-              <a:t>;  </a:t>
-            </a:r>
-            <a:r>
-              <a:rPr lang="de-DE" sz="800" dirty="0" smtClean="0"/>
-              <a:t>                      https</a:t>
-            </a:r>
-            <a:r>
-              <a:rPr lang="de-DE" sz="800" dirty="0"/>
-              <a:t>://</a:t>
-            </a:r>
-            <a:r>
-              <a:rPr lang="de-DE" sz="800" dirty="0" smtClean="0"/>
-              <a:t>de.wikipedia.org/wiki/Google_Kontakte</a:t>
-            </a:r>
-          </a:p>
-          <a:p>
-            <a:r>
-              <a:rPr lang="de-DE" sz="800" dirty="0" smtClean="0"/>
               <a:t> </a:t>
             </a:r>
-            <a:endParaRPr lang="de-DE" sz="800" dirty="0"/>
           </a:p>
         </p:txBody>
       </p:sp>
@@ -8088,10 +8382,9 @@
           <a:lstStyle/>
           <a:p>
             <a:r>
-              <a:rPr lang="de-DE" dirty="0" smtClean="0"/>
+              <a:rPr lang="de-DE" dirty="0"/>
               <a:t>2. Features</a:t>
             </a:r>
-            <a:endParaRPr lang="de-DE" dirty="0"/>
           </a:p>
         </p:txBody>
       </p:sp>
@@ -8111,37 +8404,37 @@
           <a:lstStyle/>
           <a:p>
             <a:r>
-              <a:rPr lang="de-DE" dirty="0" smtClean="0"/>
+              <a:rPr lang="de-DE" dirty="0"/>
               <a:t>Kontakte abspeichern mit Name, Nummer(n), E-Mail(s)</a:t>
             </a:r>
           </a:p>
           <a:p>
             <a:r>
-              <a:rPr lang="de-DE" dirty="0" smtClean="0"/>
+              <a:rPr lang="de-DE" dirty="0"/>
               <a:t>Kontaktbild aufnehmen </a:t>
             </a:r>
           </a:p>
           <a:p>
             <a:r>
-              <a:rPr lang="de-DE" dirty="0" smtClean="0"/>
+              <a:rPr lang="de-DE" dirty="0"/>
               <a:t>QR-Code zur Übertragung</a:t>
             </a:r>
           </a:p>
           <a:p>
             <a:r>
-              <a:rPr lang="de-DE" dirty="0" smtClean="0"/>
+              <a:rPr lang="de-DE" dirty="0"/>
               <a:t>Favoriten auswählen</a:t>
             </a:r>
           </a:p>
           <a:p>
             <a:r>
-              <a:rPr lang="de-DE" dirty="0" smtClean="0"/>
+              <a:rPr lang="de-DE" dirty="0"/>
               <a:t>Eigenen Kontakt erstellen</a:t>
             </a:r>
           </a:p>
           <a:p>
             <a:r>
-              <a:rPr lang="de-DE" dirty="0" smtClean="0"/>
+              <a:rPr lang="de-DE" dirty="0"/>
               <a:t>Direkt aus App Nummer wählen und anrufen</a:t>
             </a:r>
           </a:p>
@@ -8163,7 +8456,7 @@
           <a:lstStyle/>
           <a:p>
             <a:r>
-              <a:rPr lang="de-DE" spc="-10" smtClean="0">
+              <a:rPr lang="de-DE" spc="-10">
                 <a:solidFill>
                   <a:schemeClr val="tx1">
                     <a:lumMod val="85000"/>
@@ -8185,9 +8478,9 @@
                 <a:cs typeface="Arial" panose="020B0604020202020204" pitchFamily="34" charset="0"/>
               </a:rPr>
               <a:pPr/>
-              <a:t>31. Juli 2019</a:t>
+              <a:t>1. August 2019</a:t>
             </a:fld>
-            <a:endParaRPr lang="de-DE" spc="-10" smtClean="0">
+            <a:endParaRPr lang="de-DE" spc="-10">
               <a:solidFill>
                 <a:schemeClr val="tx1">
                   <a:lumMod val="85000"/>
@@ -8644,10 +8937,9 @@
           <a:lstStyle/>
           <a:p>
             <a:r>
-              <a:rPr lang="de-DE" dirty="0" smtClean="0"/>
+              <a:rPr lang="de-DE" dirty="0"/>
               <a:t>3. Architektur</a:t>
             </a:r>
-            <a:endParaRPr lang="de-DE" dirty="0"/>
           </a:p>
         </p:txBody>
       </p:sp>
@@ -8667,7 +8959,7 @@
           <a:lstStyle/>
           <a:p>
             <a:r>
-              <a:rPr lang="de-DE" spc="-10" smtClean="0">
+              <a:rPr lang="de-DE" spc="-10">
                 <a:solidFill>
                   <a:schemeClr val="tx1">
                     <a:lumMod val="85000"/>
@@ -8689,9 +8981,9 @@
                 <a:cs typeface="Arial" panose="020B0604020202020204" pitchFamily="34" charset="0"/>
               </a:rPr>
               <a:pPr/>
-              <a:t>31. Juli 2019</a:t>
+              <a:t>1. August 2019</a:t>
             </a:fld>
-            <a:endParaRPr lang="de-DE" spc="-10" smtClean="0">
+            <a:endParaRPr lang="de-DE" spc="-10">
               <a:solidFill>
                 <a:schemeClr val="tx1">
                   <a:lumMod val="85000"/>
@@ -8740,13 +9032,6 @@
   <p:transition spd="slow">
     <p:cover/>
   </p:transition>
-  <p:timing>
-    <p:tnLst>
-      <p:par>
-        <p:cTn id="1" dur="indefinite" restart="never" nodeType="tmRoot"/>
-      </p:par>
-    </p:tnLst>
-  </p:timing>
 </p:sld>
 </file>
 
@@ -8783,10 +9068,9 @@
           <a:lstStyle/>
           <a:p>
             <a:r>
-              <a:rPr lang="de-DE" dirty="0" smtClean="0"/>
+              <a:rPr lang="de-DE" dirty="0"/>
               <a:t>3. Architektur</a:t>
             </a:r>
-            <a:endParaRPr lang="de-DE" dirty="0"/>
           </a:p>
         </p:txBody>
       </p:sp>
@@ -8806,7 +9090,7 @@
           <a:lstStyle/>
           <a:p>
             <a:r>
-              <a:rPr lang="de-DE" spc="-10" smtClean="0">
+              <a:rPr lang="de-DE" spc="-10">
                 <a:solidFill>
                   <a:schemeClr val="tx1">
                     <a:lumMod val="85000"/>
@@ -8828,9 +9112,9 @@
                 <a:cs typeface="Arial" panose="020B0604020202020204" pitchFamily="34" charset="0"/>
               </a:rPr>
               <a:pPr/>
-              <a:t>31. Juli 2019</a:t>
+              <a:t>1. August 2019</a:t>
             </a:fld>
-            <a:endParaRPr lang="de-DE" spc="-10" smtClean="0">
+            <a:endParaRPr lang="de-DE" spc="-10">
               <a:solidFill>
                 <a:schemeClr val="tx1">
                   <a:lumMod val="85000"/>
@@ -8876,25 +9160,18 @@
   <p:clrMapOvr>
     <a:masterClrMapping/>
   </p:clrMapOvr>
-  <mc:AlternateContent xmlns:mc="http://schemas.openxmlformats.org/markup-compatibility/2006">
-    <mc:Choice xmlns:p14="http://schemas.microsoft.com/office/powerpoint/2010/main" Requires="p14">
+  <mc:AlternateContent xmlns:mc="http://schemas.openxmlformats.org/markup-compatibility/2006" xmlns:p14="http://schemas.microsoft.com/office/powerpoint/2010/main">
+    <mc:Choice Requires="p14">
       <p:transition spd="med" p14:dur="700">
         <p:fade/>
       </p:transition>
     </mc:Choice>
-    <mc:Fallback>
+    <mc:Fallback xmlns="">
       <p:transition spd="med">
         <p:fade/>
       </p:transition>
     </mc:Fallback>
   </mc:AlternateContent>
-  <p:timing>
-    <p:tnLst>
-      <p:par>
-        <p:cTn id="1" dur="indefinite" restart="never" nodeType="tmRoot"/>
-      </p:par>
-    </p:tnLst>
-  </p:timing>
 </p:sld>
 </file>
 
@@ -8931,10 +9208,9 @@
           <a:lstStyle/>
           <a:p>
             <a:r>
-              <a:rPr lang="de-DE" dirty="0" smtClean="0"/>
+              <a:rPr lang="de-DE" dirty="0"/>
               <a:t>3. Architektur</a:t>
             </a:r>
-            <a:endParaRPr lang="de-DE" dirty="0"/>
           </a:p>
         </p:txBody>
       </p:sp>
@@ -8954,7 +9230,7 @@
           <a:lstStyle/>
           <a:p>
             <a:r>
-              <a:rPr lang="de-DE" spc="-10" smtClean="0">
+              <a:rPr lang="de-DE" spc="-10">
                 <a:solidFill>
                   <a:schemeClr val="tx1">
                     <a:lumMod val="85000"/>
@@ -8976,9 +9252,9 @@
                 <a:cs typeface="Arial" panose="020B0604020202020204" pitchFamily="34" charset="0"/>
               </a:rPr>
               <a:pPr/>
-              <a:t>31. Juli 2019</a:t>
+              <a:t>1. August 2019</a:t>
             </a:fld>
-            <a:endParaRPr lang="de-DE" spc="-10" smtClean="0">
+            <a:endParaRPr lang="de-DE" spc="-10">
               <a:solidFill>
                 <a:schemeClr val="tx1">
                   <a:lumMod val="85000"/>
@@ -9048,13 +9324,13 @@
   <p:clrMapOvr>
     <a:masterClrMapping/>
   </p:clrMapOvr>
-  <mc:AlternateContent xmlns:mc="http://schemas.openxmlformats.org/markup-compatibility/2006">
-    <mc:Choice xmlns:p14="http://schemas.microsoft.com/office/powerpoint/2010/main" Requires="p14">
+  <mc:AlternateContent xmlns:mc="http://schemas.openxmlformats.org/markup-compatibility/2006" xmlns:p14="http://schemas.microsoft.com/office/powerpoint/2010/main">
+    <mc:Choice Requires="p14">
       <p:transition spd="med" p14:dur="700">
         <p:fade/>
       </p:transition>
     </mc:Choice>
-    <mc:Fallback>
+    <mc:Fallback xmlns="">
       <p:transition spd="med">
         <p:fade/>
       </p:transition>
@@ -9179,18 +9455,9 @@
           <a:lstStyle/>
           <a:p>
             <a:r>
-              <a:rPr lang="de-DE" dirty="0" smtClean="0"/>
-              <a:t>4. Umsetzung </a:t>
-            </a:r>
-            <a:r>
               <a:rPr lang="de-DE" dirty="0"/>
-              <a:t>im </a:t>
-            </a:r>
-            <a:r>
-              <a:rPr lang="de-DE" dirty="0" smtClean="0"/>
-              <a:t>Code</a:t>
-            </a:r>
-            <a:endParaRPr lang="de-DE" dirty="0"/>
+              <a:t>4. Umsetzung im Code</a:t>
+            </a:r>
           </a:p>
         </p:txBody>
       </p:sp>
@@ -9210,7 +9477,7 @@
           <a:lstStyle/>
           <a:p>
             <a:r>
-              <a:rPr lang="de-DE" spc="-10" smtClean="0">
+              <a:rPr lang="de-DE" spc="-10">
                 <a:solidFill>
                   <a:schemeClr val="tx1">
                     <a:lumMod val="85000"/>
@@ -9232,9 +9499,9 @@
                 <a:cs typeface="Arial" panose="020B0604020202020204" pitchFamily="34" charset="0"/>
               </a:rPr>
               <a:pPr/>
-              <a:t>31. Juli 2019</a:t>
+              <a:t>1. August 2019</a:t>
             </a:fld>
-            <a:endParaRPr lang="de-DE" spc="-10" smtClean="0">
+            <a:endParaRPr lang="de-DE" spc="-10">
               <a:solidFill>
                 <a:schemeClr val="tx1">
                   <a:lumMod val="85000"/>
@@ -9246,6 +9513,42 @@
           </a:p>
         </p:txBody>
       </p:sp>
+      <p:pic>
+        <p:nvPicPr>
+          <p:cNvPr id="8" name="Grafik 7">
+            <a:extLst>
+              <a:ext uri="{FF2B5EF4-FFF2-40B4-BE49-F238E27FC236}">
+                <a16:creationId xmlns:a16="http://schemas.microsoft.com/office/drawing/2014/main" id="{170C467E-34B2-444A-B613-272C7ABB66E1}"/>
+              </a:ext>
+            </a:extLst>
+          </p:cNvPr>
+          <p:cNvPicPr>
+            <a:picLocks noChangeAspect="1"/>
+          </p:cNvPicPr>
+          <p:nvPr/>
+        </p:nvPicPr>
+        <p:blipFill>
+          <a:blip r:embed="rId2" cstate="print">
+            <a:extLst>
+              <a:ext uri="{28A0092B-C50C-407E-A947-70E740481C1C}">
+                <a14:useLocalDpi xmlns:a14="http://schemas.microsoft.com/office/drawing/2010/main" val="0"/>
+              </a:ext>
+            </a:extLst>
+          </a:blip>
+          <a:stretch>
+            <a:fillRect/>
+          </a:stretch>
+        </p:blipFill>
+        <p:spPr>
+          <a:xfrm>
+            <a:off x="2047976" y="2607746"/>
+            <a:ext cx="4379869" cy="2899382"/>
+          </a:xfrm>
+          <a:prstGeom prst="rect">
+            <a:avLst/>
+          </a:prstGeom>
+        </p:spPr>
+      </p:pic>
     </p:spTree>
     <p:extLst>
       <p:ext uri="{BB962C8B-B14F-4D97-AF65-F5344CB8AC3E}">
@@ -9259,13 +9562,6 @@
   <p:transition spd="slow">
     <p:cover/>
   </p:transition>
-  <p:timing>
-    <p:tnLst>
-      <p:par>
-        <p:cTn id="1" dur="indefinite" restart="never" nodeType="tmRoot"/>
-      </p:par>
-    </p:tnLst>
-  </p:timing>
 </p:sld>
 </file>
 
@@ -9302,18 +9598,9 @@
           <a:lstStyle/>
           <a:p>
             <a:r>
-              <a:rPr lang="de-DE" dirty="0" smtClean="0"/>
-              <a:t>4. Umsetzung </a:t>
-            </a:r>
-            <a:r>
               <a:rPr lang="de-DE" dirty="0"/>
-              <a:t>im </a:t>
-            </a:r>
-            <a:r>
-              <a:rPr lang="de-DE" dirty="0" smtClean="0"/>
-              <a:t>Code</a:t>
-            </a:r>
-            <a:endParaRPr lang="de-DE" dirty="0"/>
+              <a:t>AndroidManifest.xml</a:t>
+            </a:r>
           </a:p>
         </p:txBody>
       </p:sp>
@@ -9333,7 +9620,7 @@
           <a:lstStyle/>
           <a:p>
             <a:r>
-              <a:rPr lang="de-DE" spc="-10" smtClean="0">
+              <a:rPr lang="de-DE" spc="-10">
                 <a:solidFill>
                   <a:schemeClr val="tx1">
                     <a:lumMod val="85000"/>
@@ -9355,9 +9642,9 @@
                 <a:cs typeface="Arial" panose="020B0604020202020204" pitchFamily="34" charset="0"/>
               </a:rPr>
               <a:pPr/>
-              <a:t>31. Juli 2019</a:t>
+              <a:t>1. August 2019</a:t>
             </a:fld>
-            <a:endParaRPr lang="de-DE" spc="-10" smtClean="0">
+            <a:endParaRPr lang="de-DE" spc="-10">
               <a:solidFill>
                 <a:schemeClr val="tx1">
                   <a:lumMod val="85000"/>
@@ -9369,6 +9656,36 @@
           </a:p>
         </p:txBody>
       </p:sp>
+      <p:pic>
+        <p:nvPicPr>
+          <p:cNvPr id="3" name="Grafik 2">
+            <a:extLst>
+              <a:ext uri="{FF2B5EF4-FFF2-40B4-BE49-F238E27FC236}">
+                <a16:creationId xmlns:a16="http://schemas.microsoft.com/office/drawing/2014/main" id="{436A441D-0BED-43D9-9662-41319770D58B}"/>
+              </a:ext>
+            </a:extLst>
+          </p:cNvPr>
+          <p:cNvPicPr>
+            <a:picLocks noChangeAspect="1"/>
+          </p:cNvPicPr>
+          <p:nvPr/>
+        </p:nvPicPr>
+        <p:blipFill>
+          <a:blip r:embed="rId2"/>
+          <a:stretch>
+            <a:fillRect/>
+          </a:stretch>
+        </p:blipFill>
+        <p:spPr>
+          <a:xfrm>
+            <a:off x="899592" y="2856352"/>
+            <a:ext cx="7798585" cy="925513"/>
+          </a:xfrm>
+          <a:prstGeom prst="rect">
+            <a:avLst/>
+          </a:prstGeom>
+        </p:spPr>
+      </p:pic>
     </p:spTree>
     <p:extLst>
       <p:ext uri="{BB962C8B-B14F-4D97-AF65-F5344CB8AC3E}">
@@ -9379,25 +9696,18 @@
   <p:clrMapOvr>
     <a:masterClrMapping/>
   </p:clrMapOvr>
-  <mc:AlternateContent xmlns:mc="http://schemas.openxmlformats.org/markup-compatibility/2006">
-    <mc:Choice xmlns:p14="http://schemas.microsoft.com/office/powerpoint/2010/main" Requires="p14">
+  <mc:AlternateContent xmlns:mc="http://schemas.openxmlformats.org/markup-compatibility/2006" xmlns:p14="http://schemas.microsoft.com/office/powerpoint/2010/main">
+    <mc:Choice Requires="p14">
       <p:transition spd="med" p14:dur="700">
         <p:fade/>
       </p:transition>
     </mc:Choice>
-    <mc:Fallback>
+    <mc:Fallback xmlns="">
       <p:transition spd="med">
         <p:fade/>
       </p:transition>
     </mc:Fallback>
   </mc:AlternateContent>
-  <p:timing>
-    <p:tnLst>
-      <p:par>
-        <p:cTn id="1" dur="indefinite" restart="never" nodeType="tmRoot"/>
-      </p:par>
-    </p:tnLst>
-  </p:timing>
 </p:sld>
 </file>
 
